--- a/1st-Sem-Chem-Cycle/Subject_Files/chemistry/Unit 3/Unit 3 class 26 - Battery Characteristics.pptx
+++ b/1st-Sem-Chem-Cycle/Subject_Files/chemistry/Unit 3/Unit 3 class 26 - Battery Characteristics.pptx
@@ -114,7 +114,7 @@
   </p:defaultTextStyle>
   <p:extLst>
     <p:ext uri="{EFAFB233-063F-42B5-8137-9DF3F51BA10A}">
-      <p15:sldGuideLst xmlns:p15="http://schemas.microsoft.com/office/powerpoint/2012/main" xmlns="">
+      <p15:sldGuideLst xmlns:p15="http://schemas.microsoft.com/office/powerpoint/2012/main">
         <p15:guide id="1" orient="horz" pos="2160">
           <p15:clr>
             <a:srgbClr val="A4A3A4"/>
@@ -169,7 +169,7 @@
           <p:cNvPr id="2" name="Title 1">
             <a:extLst>
               <a:ext uri="{FF2B5EF4-FFF2-40B4-BE49-F238E27FC236}">
-                <a16:creationId xmlns:a16="http://schemas.microsoft.com/office/drawing/2014/main" xmlns="" id="{52EC3D4B-626B-4009-8192-CEAEED1423ED}"/>
+                <a16:creationId xmlns:a16="http://schemas.microsoft.com/office/drawing/2014/main" id="{52EC3D4B-626B-4009-8192-CEAEED1423ED}"/>
               </a:ext>
             </a:extLst>
           </p:cNvPr>
@@ -207,7 +207,7 @@
           <p:cNvPr id="3" name="Subtitle 2">
             <a:extLst>
               <a:ext uri="{FF2B5EF4-FFF2-40B4-BE49-F238E27FC236}">
-                <a16:creationId xmlns:a16="http://schemas.microsoft.com/office/drawing/2014/main" xmlns="" id="{6A51827C-B164-4C81-9990-CA48A6D6954F}"/>
+                <a16:creationId xmlns:a16="http://schemas.microsoft.com/office/drawing/2014/main" id="{6A51827C-B164-4C81-9990-CA48A6D6954F}"/>
               </a:ext>
             </a:extLst>
           </p:cNvPr>
@@ -278,7 +278,7 @@
           <p:cNvPr id="4" name="Date Placeholder 3">
             <a:extLst>
               <a:ext uri="{FF2B5EF4-FFF2-40B4-BE49-F238E27FC236}">
-                <a16:creationId xmlns:a16="http://schemas.microsoft.com/office/drawing/2014/main" xmlns="" id="{507DF93E-677D-48F6-8B5A-46E43F2C154F}"/>
+                <a16:creationId xmlns:a16="http://schemas.microsoft.com/office/drawing/2014/main" id="{507DF93E-677D-48F6-8B5A-46E43F2C154F}"/>
               </a:ext>
             </a:extLst>
           </p:cNvPr>
@@ -297,7 +297,7 @@
             <a:fld id="{C0697723-E498-4D64-BBB6-490ED1364AC9}" type="datetimeFigureOut">
               <a:rPr lang="en-IN" smtClean="0"/>
               <a:pPr/>
-              <a:t>29-12-2022</a:t>
+              <a:t>09-01-2025</a:t>
             </a:fld>
             <a:endParaRPr lang="en-IN"/>
           </a:p>
@@ -308,7 +308,7 @@
           <p:cNvPr id="5" name="Footer Placeholder 4">
             <a:extLst>
               <a:ext uri="{FF2B5EF4-FFF2-40B4-BE49-F238E27FC236}">
-                <a16:creationId xmlns:a16="http://schemas.microsoft.com/office/drawing/2014/main" xmlns="" id="{B1DF4446-763D-4DB5-A60E-E76234DDA4B8}"/>
+                <a16:creationId xmlns:a16="http://schemas.microsoft.com/office/drawing/2014/main" id="{B1DF4446-763D-4DB5-A60E-E76234DDA4B8}"/>
               </a:ext>
             </a:extLst>
           </p:cNvPr>
@@ -333,7 +333,7 @@
           <p:cNvPr id="6" name="Slide Number Placeholder 5">
             <a:extLst>
               <a:ext uri="{FF2B5EF4-FFF2-40B4-BE49-F238E27FC236}">
-                <a16:creationId xmlns:a16="http://schemas.microsoft.com/office/drawing/2014/main" xmlns="" id="{E782FF9A-F0E6-4BE5-A785-09D93A759624}"/>
+                <a16:creationId xmlns:a16="http://schemas.microsoft.com/office/drawing/2014/main" id="{E782FF9A-F0E6-4BE5-A785-09D93A759624}"/>
               </a:ext>
             </a:extLst>
           </p:cNvPr>
@@ -393,7 +393,7 @@
           <p:cNvPr id="2" name="Title 1">
             <a:extLst>
               <a:ext uri="{FF2B5EF4-FFF2-40B4-BE49-F238E27FC236}">
-                <a16:creationId xmlns:a16="http://schemas.microsoft.com/office/drawing/2014/main" xmlns="" id="{9BEE96CC-24D7-4AC0-845A-98CA572FE6D7}"/>
+                <a16:creationId xmlns:a16="http://schemas.microsoft.com/office/drawing/2014/main" id="{9BEE96CC-24D7-4AC0-845A-98CA572FE6D7}"/>
               </a:ext>
             </a:extLst>
           </p:cNvPr>
@@ -422,7 +422,7 @@
           <p:cNvPr id="3" name="Vertical Text Placeholder 2">
             <a:extLst>
               <a:ext uri="{FF2B5EF4-FFF2-40B4-BE49-F238E27FC236}">
-                <a16:creationId xmlns:a16="http://schemas.microsoft.com/office/drawing/2014/main" xmlns="" id="{E2261921-3E80-4007-9849-91F4F1D9CF42}"/>
+                <a16:creationId xmlns:a16="http://schemas.microsoft.com/office/drawing/2014/main" id="{E2261921-3E80-4007-9849-91F4F1D9CF42}"/>
               </a:ext>
             </a:extLst>
           </p:cNvPr>
@@ -480,7 +480,7 @@
           <p:cNvPr id="4" name="Date Placeholder 3">
             <a:extLst>
               <a:ext uri="{FF2B5EF4-FFF2-40B4-BE49-F238E27FC236}">
-                <a16:creationId xmlns:a16="http://schemas.microsoft.com/office/drawing/2014/main" xmlns="" id="{26A091F3-2079-48AC-A58B-4C729775D003}"/>
+                <a16:creationId xmlns:a16="http://schemas.microsoft.com/office/drawing/2014/main" id="{26A091F3-2079-48AC-A58B-4C729775D003}"/>
               </a:ext>
             </a:extLst>
           </p:cNvPr>
@@ -499,7 +499,7 @@
             <a:fld id="{C0697723-E498-4D64-BBB6-490ED1364AC9}" type="datetimeFigureOut">
               <a:rPr lang="en-IN" smtClean="0"/>
               <a:pPr/>
-              <a:t>29-12-2022</a:t>
+              <a:t>09-01-2025</a:t>
             </a:fld>
             <a:endParaRPr lang="en-IN"/>
           </a:p>
@@ -510,7 +510,7 @@
           <p:cNvPr id="5" name="Footer Placeholder 4">
             <a:extLst>
               <a:ext uri="{FF2B5EF4-FFF2-40B4-BE49-F238E27FC236}">
-                <a16:creationId xmlns:a16="http://schemas.microsoft.com/office/drawing/2014/main" xmlns="" id="{42536A67-7BBF-4557-B86C-E3D43DA80591}"/>
+                <a16:creationId xmlns:a16="http://schemas.microsoft.com/office/drawing/2014/main" id="{42536A67-7BBF-4557-B86C-E3D43DA80591}"/>
               </a:ext>
             </a:extLst>
           </p:cNvPr>
@@ -535,7 +535,7 @@
           <p:cNvPr id="6" name="Slide Number Placeholder 5">
             <a:extLst>
               <a:ext uri="{FF2B5EF4-FFF2-40B4-BE49-F238E27FC236}">
-                <a16:creationId xmlns:a16="http://schemas.microsoft.com/office/drawing/2014/main" xmlns="" id="{87DF2A7F-20B3-4FEC-B2FB-22B3B56A9620}"/>
+                <a16:creationId xmlns:a16="http://schemas.microsoft.com/office/drawing/2014/main" id="{87DF2A7F-20B3-4FEC-B2FB-22B3B56A9620}"/>
               </a:ext>
             </a:extLst>
           </p:cNvPr>
@@ -595,7 +595,7 @@
           <p:cNvPr id="2" name="Vertical Title 1">
             <a:extLst>
               <a:ext uri="{FF2B5EF4-FFF2-40B4-BE49-F238E27FC236}">
-                <a16:creationId xmlns:a16="http://schemas.microsoft.com/office/drawing/2014/main" xmlns="" id="{FC974505-5F88-4C68-B044-B90A875A128E}"/>
+                <a16:creationId xmlns:a16="http://schemas.microsoft.com/office/drawing/2014/main" id="{FC974505-5F88-4C68-B044-B90A875A128E}"/>
               </a:ext>
             </a:extLst>
           </p:cNvPr>
@@ -629,7 +629,7 @@
           <p:cNvPr id="3" name="Vertical Text Placeholder 2">
             <a:extLst>
               <a:ext uri="{FF2B5EF4-FFF2-40B4-BE49-F238E27FC236}">
-                <a16:creationId xmlns:a16="http://schemas.microsoft.com/office/drawing/2014/main" xmlns="" id="{98154938-180F-400A-A444-2DAC9B404CB0}"/>
+                <a16:creationId xmlns:a16="http://schemas.microsoft.com/office/drawing/2014/main" id="{98154938-180F-400A-A444-2DAC9B404CB0}"/>
               </a:ext>
             </a:extLst>
           </p:cNvPr>
@@ -692,7 +692,7 @@
           <p:cNvPr id="4" name="Date Placeholder 3">
             <a:extLst>
               <a:ext uri="{FF2B5EF4-FFF2-40B4-BE49-F238E27FC236}">
-                <a16:creationId xmlns:a16="http://schemas.microsoft.com/office/drawing/2014/main" xmlns="" id="{C744BC1C-22DF-43AD-B4A1-B55EB4C01F8A}"/>
+                <a16:creationId xmlns:a16="http://schemas.microsoft.com/office/drawing/2014/main" id="{C744BC1C-22DF-43AD-B4A1-B55EB4C01F8A}"/>
               </a:ext>
             </a:extLst>
           </p:cNvPr>
@@ -711,7 +711,7 @@
             <a:fld id="{C0697723-E498-4D64-BBB6-490ED1364AC9}" type="datetimeFigureOut">
               <a:rPr lang="en-IN" smtClean="0"/>
               <a:pPr/>
-              <a:t>29-12-2022</a:t>
+              <a:t>09-01-2025</a:t>
             </a:fld>
             <a:endParaRPr lang="en-IN"/>
           </a:p>
@@ -722,7 +722,7 @@
           <p:cNvPr id="5" name="Footer Placeholder 4">
             <a:extLst>
               <a:ext uri="{FF2B5EF4-FFF2-40B4-BE49-F238E27FC236}">
-                <a16:creationId xmlns:a16="http://schemas.microsoft.com/office/drawing/2014/main" xmlns="" id="{1C439F43-011E-4BE1-A79A-17FE1495CC2F}"/>
+                <a16:creationId xmlns:a16="http://schemas.microsoft.com/office/drawing/2014/main" id="{1C439F43-011E-4BE1-A79A-17FE1495CC2F}"/>
               </a:ext>
             </a:extLst>
           </p:cNvPr>
@@ -747,7 +747,7 @@
           <p:cNvPr id="6" name="Slide Number Placeholder 5">
             <a:extLst>
               <a:ext uri="{FF2B5EF4-FFF2-40B4-BE49-F238E27FC236}">
-                <a16:creationId xmlns:a16="http://schemas.microsoft.com/office/drawing/2014/main" xmlns="" id="{A3025448-2680-4648-B696-07B726E5BEA4}"/>
+                <a16:creationId xmlns:a16="http://schemas.microsoft.com/office/drawing/2014/main" id="{A3025448-2680-4648-B696-07B726E5BEA4}"/>
               </a:ext>
             </a:extLst>
           </p:cNvPr>
@@ -807,7 +807,7 @@
           <p:cNvPr id="2" name="Title 1">
             <a:extLst>
               <a:ext uri="{FF2B5EF4-FFF2-40B4-BE49-F238E27FC236}">
-                <a16:creationId xmlns:a16="http://schemas.microsoft.com/office/drawing/2014/main" xmlns="" id="{617E7D49-DB18-4481-BBAD-3CCDB0B6E136}"/>
+                <a16:creationId xmlns:a16="http://schemas.microsoft.com/office/drawing/2014/main" id="{617E7D49-DB18-4481-BBAD-3CCDB0B6E136}"/>
               </a:ext>
             </a:extLst>
           </p:cNvPr>
@@ -836,7 +836,7 @@
           <p:cNvPr id="3" name="Content Placeholder 2">
             <a:extLst>
               <a:ext uri="{FF2B5EF4-FFF2-40B4-BE49-F238E27FC236}">
-                <a16:creationId xmlns:a16="http://schemas.microsoft.com/office/drawing/2014/main" xmlns="" id="{37B48B0F-E770-4648-80B0-0B9A177348F8}"/>
+                <a16:creationId xmlns:a16="http://schemas.microsoft.com/office/drawing/2014/main" id="{37B48B0F-E770-4648-80B0-0B9A177348F8}"/>
               </a:ext>
             </a:extLst>
           </p:cNvPr>
@@ -894,7 +894,7 @@
           <p:cNvPr id="4" name="Date Placeholder 3">
             <a:extLst>
               <a:ext uri="{FF2B5EF4-FFF2-40B4-BE49-F238E27FC236}">
-                <a16:creationId xmlns:a16="http://schemas.microsoft.com/office/drawing/2014/main" xmlns="" id="{8689BBA6-35F4-4C69-B817-8B6D5B3C7F64}"/>
+                <a16:creationId xmlns:a16="http://schemas.microsoft.com/office/drawing/2014/main" id="{8689BBA6-35F4-4C69-B817-8B6D5B3C7F64}"/>
               </a:ext>
             </a:extLst>
           </p:cNvPr>
@@ -913,7 +913,7 @@
             <a:fld id="{C0697723-E498-4D64-BBB6-490ED1364AC9}" type="datetimeFigureOut">
               <a:rPr lang="en-IN" smtClean="0"/>
               <a:pPr/>
-              <a:t>29-12-2022</a:t>
+              <a:t>09-01-2025</a:t>
             </a:fld>
             <a:endParaRPr lang="en-IN"/>
           </a:p>
@@ -924,7 +924,7 @@
           <p:cNvPr id="5" name="Footer Placeholder 4">
             <a:extLst>
               <a:ext uri="{FF2B5EF4-FFF2-40B4-BE49-F238E27FC236}">
-                <a16:creationId xmlns:a16="http://schemas.microsoft.com/office/drawing/2014/main" xmlns="" id="{1F6B119B-E4E0-4014-B1F1-495E208A0C63}"/>
+                <a16:creationId xmlns:a16="http://schemas.microsoft.com/office/drawing/2014/main" id="{1F6B119B-E4E0-4014-B1F1-495E208A0C63}"/>
               </a:ext>
             </a:extLst>
           </p:cNvPr>
@@ -949,7 +949,7 @@
           <p:cNvPr id="6" name="Slide Number Placeholder 5">
             <a:extLst>
               <a:ext uri="{FF2B5EF4-FFF2-40B4-BE49-F238E27FC236}">
-                <a16:creationId xmlns:a16="http://schemas.microsoft.com/office/drawing/2014/main" xmlns="" id="{19B45A5E-AE1B-4A92-B64A-2F8A4786E1A2}"/>
+                <a16:creationId xmlns:a16="http://schemas.microsoft.com/office/drawing/2014/main" id="{19B45A5E-AE1B-4A92-B64A-2F8A4786E1A2}"/>
               </a:ext>
             </a:extLst>
           </p:cNvPr>
@@ -1009,7 +1009,7 @@
           <p:cNvPr id="2" name="Title 1">
             <a:extLst>
               <a:ext uri="{FF2B5EF4-FFF2-40B4-BE49-F238E27FC236}">
-                <a16:creationId xmlns:a16="http://schemas.microsoft.com/office/drawing/2014/main" xmlns="" id="{B208196D-BED0-4BD8-AB4C-B2B3CCC7D5E0}"/>
+                <a16:creationId xmlns:a16="http://schemas.microsoft.com/office/drawing/2014/main" id="{B208196D-BED0-4BD8-AB4C-B2B3CCC7D5E0}"/>
               </a:ext>
             </a:extLst>
           </p:cNvPr>
@@ -1047,7 +1047,7 @@
           <p:cNvPr id="3" name="Text Placeholder 2">
             <a:extLst>
               <a:ext uri="{FF2B5EF4-FFF2-40B4-BE49-F238E27FC236}">
-                <a16:creationId xmlns:a16="http://schemas.microsoft.com/office/drawing/2014/main" xmlns="" id="{0CC613EC-F0A0-4466-A6C2-D28B863D15D2}"/>
+                <a16:creationId xmlns:a16="http://schemas.microsoft.com/office/drawing/2014/main" id="{0CC613EC-F0A0-4466-A6C2-D28B863D15D2}"/>
               </a:ext>
             </a:extLst>
           </p:cNvPr>
@@ -1172,7 +1172,7 @@
           <p:cNvPr id="4" name="Date Placeholder 3">
             <a:extLst>
               <a:ext uri="{FF2B5EF4-FFF2-40B4-BE49-F238E27FC236}">
-                <a16:creationId xmlns:a16="http://schemas.microsoft.com/office/drawing/2014/main" xmlns="" id="{A3CF7A95-22EE-4F22-AEDA-C190D2F87D01}"/>
+                <a16:creationId xmlns:a16="http://schemas.microsoft.com/office/drawing/2014/main" id="{A3CF7A95-22EE-4F22-AEDA-C190D2F87D01}"/>
               </a:ext>
             </a:extLst>
           </p:cNvPr>
@@ -1191,7 +1191,7 @@
             <a:fld id="{C0697723-E498-4D64-BBB6-490ED1364AC9}" type="datetimeFigureOut">
               <a:rPr lang="en-IN" smtClean="0"/>
               <a:pPr/>
-              <a:t>29-12-2022</a:t>
+              <a:t>09-01-2025</a:t>
             </a:fld>
             <a:endParaRPr lang="en-IN"/>
           </a:p>
@@ -1202,7 +1202,7 @@
           <p:cNvPr id="5" name="Footer Placeholder 4">
             <a:extLst>
               <a:ext uri="{FF2B5EF4-FFF2-40B4-BE49-F238E27FC236}">
-                <a16:creationId xmlns:a16="http://schemas.microsoft.com/office/drawing/2014/main" xmlns="" id="{7C385F91-0601-4D65-A3E8-CFDC20A77501}"/>
+                <a16:creationId xmlns:a16="http://schemas.microsoft.com/office/drawing/2014/main" id="{7C385F91-0601-4D65-A3E8-CFDC20A77501}"/>
               </a:ext>
             </a:extLst>
           </p:cNvPr>
@@ -1227,7 +1227,7 @@
           <p:cNvPr id="6" name="Slide Number Placeholder 5">
             <a:extLst>
               <a:ext uri="{FF2B5EF4-FFF2-40B4-BE49-F238E27FC236}">
-                <a16:creationId xmlns:a16="http://schemas.microsoft.com/office/drawing/2014/main" xmlns="" id="{88D0A9F0-9DDE-4015-8C5C-5C9D6B60DDA0}"/>
+                <a16:creationId xmlns:a16="http://schemas.microsoft.com/office/drawing/2014/main" id="{88D0A9F0-9DDE-4015-8C5C-5C9D6B60DDA0}"/>
               </a:ext>
             </a:extLst>
           </p:cNvPr>
@@ -1287,7 +1287,7 @@
           <p:cNvPr id="2" name="Title 1">
             <a:extLst>
               <a:ext uri="{FF2B5EF4-FFF2-40B4-BE49-F238E27FC236}">
-                <a16:creationId xmlns:a16="http://schemas.microsoft.com/office/drawing/2014/main" xmlns="" id="{708E85AF-03C6-4B44-A538-43B0427D31F4}"/>
+                <a16:creationId xmlns:a16="http://schemas.microsoft.com/office/drawing/2014/main" id="{708E85AF-03C6-4B44-A538-43B0427D31F4}"/>
               </a:ext>
             </a:extLst>
           </p:cNvPr>
@@ -1316,7 +1316,7 @@
           <p:cNvPr id="3" name="Content Placeholder 2">
             <a:extLst>
               <a:ext uri="{FF2B5EF4-FFF2-40B4-BE49-F238E27FC236}">
-                <a16:creationId xmlns:a16="http://schemas.microsoft.com/office/drawing/2014/main" xmlns="" id="{83C33EE5-59F6-4A1A-AE1E-8765B2B76361}"/>
+                <a16:creationId xmlns:a16="http://schemas.microsoft.com/office/drawing/2014/main" id="{83C33EE5-59F6-4A1A-AE1E-8765B2B76361}"/>
               </a:ext>
             </a:extLst>
           </p:cNvPr>
@@ -1379,7 +1379,7 @@
           <p:cNvPr id="4" name="Content Placeholder 3">
             <a:extLst>
               <a:ext uri="{FF2B5EF4-FFF2-40B4-BE49-F238E27FC236}">
-                <a16:creationId xmlns:a16="http://schemas.microsoft.com/office/drawing/2014/main" xmlns="" id="{1D9D6861-A242-46E3-9BF3-A0C8A8DBB45B}"/>
+                <a16:creationId xmlns:a16="http://schemas.microsoft.com/office/drawing/2014/main" id="{1D9D6861-A242-46E3-9BF3-A0C8A8DBB45B}"/>
               </a:ext>
             </a:extLst>
           </p:cNvPr>
@@ -1442,7 +1442,7 @@
           <p:cNvPr id="5" name="Date Placeholder 4">
             <a:extLst>
               <a:ext uri="{FF2B5EF4-FFF2-40B4-BE49-F238E27FC236}">
-                <a16:creationId xmlns:a16="http://schemas.microsoft.com/office/drawing/2014/main" xmlns="" id="{6A9D4037-319B-46C2-9889-B7EE91425689}"/>
+                <a16:creationId xmlns:a16="http://schemas.microsoft.com/office/drawing/2014/main" id="{6A9D4037-319B-46C2-9889-B7EE91425689}"/>
               </a:ext>
             </a:extLst>
           </p:cNvPr>
@@ -1461,7 +1461,7 @@
             <a:fld id="{C0697723-E498-4D64-BBB6-490ED1364AC9}" type="datetimeFigureOut">
               <a:rPr lang="en-IN" smtClean="0"/>
               <a:pPr/>
-              <a:t>29-12-2022</a:t>
+              <a:t>09-01-2025</a:t>
             </a:fld>
             <a:endParaRPr lang="en-IN"/>
           </a:p>
@@ -1472,7 +1472,7 @@
           <p:cNvPr id="6" name="Footer Placeholder 5">
             <a:extLst>
               <a:ext uri="{FF2B5EF4-FFF2-40B4-BE49-F238E27FC236}">
-                <a16:creationId xmlns:a16="http://schemas.microsoft.com/office/drawing/2014/main" xmlns="" id="{C1EE4E15-6B43-42E0-9689-9D809E7745C4}"/>
+                <a16:creationId xmlns:a16="http://schemas.microsoft.com/office/drawing/2014/main" id="{C1EE4E15-6B43-42E0-9689-9D809E7745C4}"/>
               </a:ext>
             </a:extLst>
           </p:cNvPr>
@@ -1497,7 +1497,7 @@
           <p:cNvPr id="7" name="Slide Number Placeholder 6">
             <a:extLst>
               <a:ext uri="{FF2B5EF4-FFF2-40B4-BE49-F238E27FC236}">
-                <a16:creationId xmlns:a16="http://schemas.microsoft.com/office/drawing/2014/main" xmlns="" id="{9E5B8A2C-7787-42C7-9053-9FAC49800765}"/>
+                <a16:creationId xmlns:a16="http://schemas.microsoft.com/office/drawing/2014/main" id="{9E5B8A2C-7787-42C7-9053-9FAC49800765}"/>
               </a:ext>
             </a:extLst>
           </p:cNvPr>
@@ -1557,7 +1557,7 @@
           <p:cNvPr id="2" name="Title 1">
             <a:extLst>
               <a:ext uri="{FF2B5EF4-FFF2-40B4-BE49-F238E27FC236}">
-                <a16:creationId xmlns:a16="http://schemas.microsoft.com/office/drawing/2014/main" xmlns="" id="{13FD7F82-17CF-402C-A83C-9BB0B0450C87}"/>
+                <a16:creationId xmlns:a16="http://schemas.microsoft.com/office/drawing/2014/main" id="{13FD7F82-17CF-402C-A83C-9BB0B0450C87}"/>
               </a:ext>
             </a:extLst>
           </p:cNvPr>
@@ -1591,7 +1591,7 @@
           <p:cNvPr id="3" name="Text Placeholder 2">
             <a:extLst>
               <a:ext uri="{FF2B5EF4-FFF2-40B4-BE49-F238E27FC236}">
-                <a16:creationId xmlns:a16="http://schemas.microsoft.com/office/drawing/2014/main" xmlns="" id="{AD6925B8-18E2-4648-9C7D-9A50568E686B}"/>
+                <a16:creationId xmlns:a16="http://schemas.microsoft.com/office/drawing/2014/main" id="{AD6925B8-18E2-4648-9C7D-9A50568E686B}"/>
               </a:ext>
             </a:extLst>
           </p:cNvPr>
@@ -1662,7 +1662,7 @@
           <p:cNvPr id="4" name="Content Placeholder 3">
             <a:extLst>
               <a:ext uri="{FF2B5EF4-FFF2-40B4-BE49-F238E27FC236}">
-                <a16:creationId xmlns:a16="http://schemas.microsoft.com/office/drawing/2014/main" xmlns="" id="{63ECAC91-5516-49CF-ABB2-BDCA1101D993}"/>
+                <a16:creationId xmlns:a16="http://schemas.microsoft.com/office/drawing/2014/main" id="{63ECAC91-5516-49CF-ABB2-BDCA1101D993}"/>
               </a:ext>
             </a:extLst>
           </p:cNvPr>
@@ -1725,7 +1725,7 @@
           <p:cNvPr id="5" name="Text Placeholder 4">
             <a:extLst>
               <a:ext uri="{FF2B5EF4-FFF2-40B4-BE49-F238E27FC236}">
-                <a16:creationId xmlns:a16="http://schemas.microsoft.com/office/drawing/2014/main" xmlns="" id="{A13B518C-5424-4D17-AE61-73B5540B3F5C}"/>
+                <a16:creationId xmlns:a16="http://schemas.microsoft.com/office/drawing/2014/main" id="{A13B518C-5424-4D17-AE61-73B5540B3F5C}"/>
               </a:ext>
             </a:extLst>
           </p:cNvPr>
@@ -1796,7 +1796,7 @@
           <p:cNvPr id="6" name="Content Placeholder 5">
             <a:extLst>
               <a:ext uri="{FF2B5EF4-FFF2-40B4-BE49-F238E27FC236}">
-                <a16:creationId xmlns:a16="http://schemas.microsoft.com/office/drawing/2014/main" xmlns="" id="{7418E488-5143-4637-878A-8024B768B637}"/>
+                <a16:creationId xmlns:a16="http://schemas.microsoft.com/office/drawing/2014/main" id="{7418E488-5143-4637-878A-8024B768B637}"/>
               </a:ext>
             </a:extLst>
           </p:cNvPr>
@@ -1859,7 +1859,7 @@
           <p:cNvPr id="7" name="Date Placeholder 6">
             <a:extLst>
               <a:ext uri="{FF2B5EF4-FFF2-40B4-BE49-F238E27FC236}">
-                <a16:creationId xmlns:a16="http://schemas.microsoft.com/office/drawing/2014/main" xmlns="" id="{12F92FE0-EADD-43E3-B191-7F6FEA9C81E6}"/>
+                <a16:creationId xmlns:a16="http://schemas.microsoft.com/office/drawing/2014/main" id="{12F92FE0-EADD-43E3-B191-7F6FEA9C81E6}"/>
               </a:ext>
             </a:extLst>
           </p:cNvPr>
@@ -1878,7 +1878,7 @@
             <a:fld id="{C0697723-E498-4D64-BBB6-490ED1364AC9}" type="datetimeFigureOut">
               <a:rPr lang="en-IN" smtClean="0"/>
               <a:pPr/>
-              <a:t>29-12-2022</a:t>
+              <a:t>09-01-2025</a:t>
             </a:fld>
             <a:endParaRPr lang="en-IN"/>
           </a:p>
@@ -1889,7 +1889,7 @@
           <p:cNvPr id="8" name="Footer Placeholder 7">
             <a:extLst>
               <a:ext uri="{FF2B5EF4-FFF2-40B4-BE49-F238E27FC236}">
-                <a16:creationId xmlns:a16="http://schemas.microsoft.com/office/drawing/2014/main" xmlns="" id="{FD4604E9-CD41-4846-B48F-03B22B3709D6}"/>
+                <a16:creationId xmlns:a16="http://schemas.microsoft.com/office/drawing/2014/main" id="{FD4604E9-CD41-4846-B48F-03B22B3709D6}"/>
               </a:ext>
             </a:extLst>
           </p:cNvPr>
@@ -1914,7 +1914,7 @@
           <p:cNvPr id="9" name="Slide Number Placeholder 8">
             <a:extLst>
               <a:ext uri="{FF2B5EF4-FFF2-40B4-BE49-F238E27FC236}">
-                <a16:creationId xmlns:a16="http://schemas.microsoft.com/office/drawing/2014/main" xmlns="" id="{5AFE060F-933B-49D3-8FF3-B0DEF9DC6484}"/>
+                <a16:creationId xmlns:a16="http://schemas.microsoft.com/office/drawing/2014/main" id="{5AFE060F-933B-49D3-8FF3-B0DEF9DC6484}"/>
               </a:ext>
             </a:extLst>
           </p:cNvPr>
@@ -1974,7 +1974,7 @@
           <p:cNvPr id="2" name="Title 1">
             <a:extLst>
               <a:ext uri="{FF2B5EF4-FFF2-40B4-BE49-F238E27FC236}">
-                <a16:creationId xmlns:a16="http://schemas.microsoft.com/office/drawing/2014/main" xmlns="" id="{72D133CA-B572-4BA7-A189-A42C96F1089A}"/>
+                <a16:creationId xmlns:a16="http://schemas.microsoft.com/office/drawing/2014/main" id="{72D133CA-B572-4BA7-A189-A42C96F1089A}"/>
               </a:ext>
             </a:extLst>
           </p:cNvPr>
@@ -2003,7 +2003,7 @@
           <p:cNvPr id="3" name="Date Placeholder 2">
             <a:extLst>
               <a:ext uri="{FF2B5EF4-FFF2-40B4-BE49-F238E27FC236}">
-                <a16:creationId xmlns:a16="http://schemas.microsoft.com/office/drawing/2014/main" xmlns="" id="{28BA2B92-6276-46C5-8418-926229142AF0}"/>
+                <a16:creationId xmlns:a16="http://schemas.microsoft.com/office/drawing/2014/main" id="{28BA2B92-6276-46C5-8418-926229142AF0}"/>
               </a:ext>
             </a:extLst>
           </p:cNvPr>
@@ -2022,7 +2022,7 @@
             <a:fld id="{C0697723-E498-4D64-BBB6-490ED1364AC9}" type="datetimeFigureOut">
               <a:rPr lang="en-IN" smtClean="0"/>
               <a:pPr/>
-              <a:t>29-12-2022</a:t>
+              <a:t>09-01-2025</a:t>
             </a:fld>
             <a:endParaRPr lang="en-IN"/>
           </a:p>
@@ -2033,7 +2033,7 @@
           <p:cNvPr id="4" name="Footer Placeholder 3">
             <a:extLst>
               <a:ext uri="{FF2B5EF4-FFF2-40B4-BE49-F238E27FC236}">
-                <a16:creationId xmlns:a16="http://schemas.microsoft.com/office/drawing/2014/main" xmlns="" id="{ADC7E3F1-B21B-41C5-BFFE-A0D23D01EE20}"/>
+                <a16:creationId xmlns:a16="http://schemas.microsoft.com/office/drawing/2014/main" id="{ADC7E3F1-B21B-41C5-BFFE-A0D23D01EE20}"/>
               </a:ext>
             </a:extLst>
           </p:cNvPr>
@@ -2058,7 +2058,7 @@
           <p:cNvPr id="5" name="Slide Number Placeholder 4">
             <a:extLst>
               <a:ext uri="{FF2B5EF4-FFF2-40B4-BE49-F238E27FC236}">
-                <a16:creationId xmlns:a16="http://schemas.microsoft.com/office/drawing/2014/main" xmlns="" id="{A033B9AF-625C-4788-81E5-2B790AE33D0F}"/>
+                <a16:creationId xmlns:a16="http://schemas.microsoft.com/office/drawing/2014/main" id="{A033B9AF-625C-4788-81E5-2B790AE33D0F}"/>
               </a:ext>
             </a:extLst>
           </p:cNvPr>
@@ -2118,7 +2118,7 @@
           <p:cNvPr id="2" name="Date Placeholder 1">
             <a:extLst>
               <a:ext uri="{FF2B5EF4-FFF2-40B4-BE49-F238E27FC236}">
-                <a16:creationId xmlns:a16="http://schemas.microsoft.com/office/drawing/2014/main" xmlns="" id="{7034E3B9-7089-4D8E-9F92-ED9350E73E40}"/>
+                <a16:creationId xmlns:a16="http://schemas.microsoft.com/office/drawing/2014/main" id="{7034E3B9-7089-4D8E-9F92-ED9350E73E40}"/>
               </a:ext>
             </a:extLst>
           </p:cNvPr>
@@ -2137,7 +2137,7 @@
             <a:fld id="{C0697723-E498-4D64-BBB6-490ED1364AC9}" type="datetimeFigureOut">
               <a:rPr lang="en-IN" smtClean="0"/>
               <a:pPr/>
-              <a:t>29-12-2022</a:t>
+              <a:t>09-01-2025</a:t>
             </a:fld>
             <a:endParaRPr lang="en-IN"/>
           </a:p>
@@ -2148,7 +2148,7 @@
           <p:cNvPr id="3" name="Footer Placeholder 2">
             <a:extLst>
               <a:ext uri="{FF2B5EF4-FFF2-40B4-BE49-F238E27FC236}">
-                <a16:creationId xmlns:a16="http://schemas.microsoft.com/office/drawing/2014/main" xmlns="" id="{C85D6F49-DBB0-4783-8669-C7B8A7030AFD}"/>
+                <a16:creationId xmlns:a16="http://schemas.microsoft.com/office/drawing/2014/main" id="{C85D6F49-DBB0-4783-8669-C7B8A7030AFD}"/>
               </a:ext>
             </a:extLst>
           </p:cNvPr>
@@ -2173,7 +2173,7 @@
           <p:cNvPr id="4" name="Slide Number Placeholder 3">
             <a:extLst>
               <a:ext uri="{FF2B5EF4-FFF2-40B4-BE49-F238E27FC236}">
-                <a16:creationId xmlns:a16="http://schemas.microsoft.com/office/drawing/2014/main" xmlns="" id="{68775C0C-F413-41B7-B055-646B0BFD3A09}"/>
+                <a16:creationId xmlns:a16="http://schemas.microsoft.com/office/drawing/2014/main" id="{68775C0C-F413-41B7-B055-646B0BFD3A09}"/>
               </a:ext>
             </a:extLst>
           </p:cNvPr>
@@ -2233,7 +2233,7 @@
           <p:cNvPr id="2" name="Title 1">
             <a:extLst>
               <a:ext uri="{FF2B5EF4-FFF2-40B4-BE49-F238E27FC236}">
-                <a16:creationId xmlns:a16="http://schemas.microsoft.com/office/drawing/2014/main" xmlns="" id="{0525262E-9CC6-4471-87B5-E96BB4A83927}"/>
+                <a16:creationId xmlns:a16="http://schemas.microsoft.com/office/drawing/2014/main" id="{0525262E-9CC6-4471-87B5-E96BB4A83927}"/>
               </a:ext>
             </a:extLst>
           </p:cNvPr>
@@ -2271,7 +2271,7 @@
           <p:cNvPr id="3" name="Content Placeholder 2">
             <a:extLst>
               <a:ext uri="{FF2B5EF4-FFF2-40B4-BE49-F238E27FC236}">
-                <a16:creationId xmlns:a16="http://schemas.microsoft.com/office/drawing/2014/main" xmlns="" id="{CC85306A-CD4B-46EE-9161-2B0A130F2AF4}"/>
+                <a16:creationId xmlns:a16="http://schemas.microsoft.com/office/drawing/2014/main" id="{CC85306A-CD4B-46EE-9161-2B0A130F2AF4}"/>
               </a:ext>
             </a:extLst>
           </p:cNvPr>
@@ -2362,7 +2362,7 @@
           <p:cNvPr id="4" name="Text Placeholder 3">
             <a:extLst>
               <a:ext uri="{FF2B5EF4-FFF2-40B4-BE49-F238E27FC236}">
-                <a16:creationId xmlns:a16="http://schemas.microsoft.com/office/drawing/2014/main" xmlns="" id="{17A59BE6-9514-4D99-A003-32E53BEDF6F1}"/>
+                <a16:creationId xmlns:a16="http://schemas.microsoft.com/office/drawing/2014/main" id="{17A59BE6-9514-4D99-A003-32E53BEDF6F1}"/>
               </a:ext>
             </a:extLst>
           </p:cNvPr>
@@ -2433,7 +2433,7 @@
           <p:cNvPr id="5" name="Date Placeholder 4">
             <a:extLst>
               <a:ext uri="{FF2B5EF4-FFF2-40B4-BE49-F238E27FC236}">
-                <a16:creationId xmlns:a16="http://schemas.microsoft.com/office/drawing/2014/main" xmlns="" id="{051144FC-DE55-4C66-B467-EE320664508C}"/>
+                <a16:creationId xmlns:a16="http://schemas.microsoft.com/office/drawing/2014/main" id="{051144FC-DE55-4C66-B467-EE320664508C}"/>
               </a:ext>
             </a:extLst>
           </p:cNvPr>
@@ -2452,7 +2452,7 @@
             <a:fld id="{C0697723-E498-4D64-BBB6-490ED1364AC9}" type="datetimeFigureOut">
               <a:rPr lang="en-IN" smtClean="0"/>
               <a:pPr/>
-              <a:t>29-12-2022</a:t>
+              <a:t>09-01-2025</a:t>
             </a:fld>
             <a:endParaRPr lang="en-IN"/>
           </a:p>
@@ -2463,7 +2463,7 @@
           <p:cNvPr id="6" name="Footer Placeholder 5">
             <a:extLst>
               <a:ext uri="{FF2B5EF4-FFF2-40B4-BE49-F238E27FC236}">
-                <a16:creationId xmlns:a16="http://schemas.microsoft.com/office/drawing/2014/main" xmlns="" id="{7ABC472B-5E7F-485E-A706-89B79D412CBF}"/>
+                <a16:creationId xmlns:a16="http://schemas.microsoft.com/office/drawing/2014/main" id="{7ABC472B-5E7F-485E-A706-89B79D412CBF}"/>
               </a:ext>
             </a:extLst>
           </p:cNvPr>
@@ -2488,7 +2488,7 @@
           <p:cNvPr id="7" name="Slide Number Placeholder 6">
             <a:extLst>
               <a:ext uri="{FF2B5EF4-FFF2-40B4-BE49-F238E27FC236}">
-                <a16:creationId xmlns:a16="http://schemas.microsoft.com/office/drawing/2014/main" xmlns="" id="{7556C44B-3BC6-40D9-94ED-B0796F8E1329}"/>
+                <a16:creationId xmlns:a16="http://schemas.microsoft.com/office/drawing/2014/main" id="{7556C44B-3BC6-40D9-94ED-B0796F8E1329}"/>
               </a:ext>
             </a:extLst>
           </p:cNvPr>
@@ -2548,7 +2548,7 @@
           <p:cNvPr id="2" name="Title 1">
             <a:extLst>
               <a:ext uri="{FF2B5EF4-FFF2-40B4-BE49-F238E27FC236}">
-                <a16:creationId xmlns:a16="http://schemas.microsoft.com/office/drawing/2014/main" xmlns="" id="{CA759C2A-444C-4E85-BF34-29BD3E3F6DFF}"/>
+                <a16:creationId xmlns:a16="http://schemas.microsoft.com/office/drawing/2014/main" id="{CA759C2A-444C-4E85-BF34-29BD3E3F6DFF}"/>
               </a:ext>
             </a:extLst>
           </p:cNvPr>
@@ -2586,7 +2586,7 @@
           <p:cNvPr id="3" name="Picture Placeholder 2">
             <a:extLst>
               <a:ext uri="{FF2B5EF4-FFF2-40B4-BE49-F238E27FC236}">
-                <a16:creationId xmlns:a16="http://schemas.microsoft.com/office/drawing/2014/main" xmlns="" id="{4B688350-F59A-41DF-B2EF-F9EEA2470087}"/>
+                <a16:creationId xmlns:a16="http://schemas.microsoft.com/office/drawing/2014/main" id="{4B688350-F59A-41DF-B2EF-F9EEA2470087}"/>
               </a:ext>
             </a:extLst>
           </p:cNvPr>
@@ -2653,7 +2653,7 @@
           <p:cNvPr id="4" name="Text Placeholder 3">
             <a:extLst>
               <a:ext uri="{FF2B5EF4-FFF2-40B4-BE49-F238E27FC236}">
-                <a16:creationId xmlns:a16="http://schemas.microsoft.com/office/drawing/2014/main" xmlns="" id="{AC5D8DC2-A933-46C8-BE16-322CE1A3EC74}"/>
+                <a16:creationId xmlns:a16="http://schemas.microsoft.com/office/drawing/2014/main" id="{AC5D8DC2-A933-46C8-BE16-322CE1A3EC74}"/>
               </a:ext>
             </a:extLst>
           </p:cNvPr>
@@ -2724,7 +2724,7 @@
           <p:cNvPr id="5" name="Date Placeholder 4">
             <a:extLst>
               <a:ext uri="{FF2B5EF4-FFF2-40B4-BE49-F238E27FC236}">
-                <a16:creationId xmlns:a16="http://schemas.microsoft.com/office/drawing/2014/main" xmlns="" id="{2D17E0BD-405F-407D-AAE8-84A2C67291BD}"/>
+                <a16:creationId xmlns:a16="http://schemas.microsoft.com/office/drawing/2014/main" id="{2D17E0BD-405F-407D-AAE8-84A2C67291BD}"/>
               </a:ext>
             </a:extLst>
           </p:cNvPr>
@@ -2743,7 +2743,7 @@
             <a:fld id="{C0697723-E498-4D64-BBB6-490ED1364AC9}" type="datetimeFigureOut">
               <a:rPr lang="en-IN" smtClean="0"/>
               <a:pPr/>
-              <a:t>29-12-2022</a:t>
+              <a:t>09-01-2025</a:t>
             </a:fld>
             <a:endParaRPr lang="en-IN"/>
           </a:p>
@@ -2754,7 +2754,7 @@
           <p:cNvPr id="6" name="Footer Placeholder 5">
             <a:extLst>
               <a:ext uri="{FF2B5EF4-FFF2-40B4-BE49-F238E27FC236}">
-                <a16:creationId xmlns:a16="http://schemas.microsoft.com/office/drawing/2014/main" xmlns="" id="{F5294B3E-2DAE-4C72-9B6F-EE43965DA9DB}"/>
+                <a16:creationId xmlns:a16="http://schemas.microsoft.com/office/drawing/2014/main" id="{F5294B3E-2DAE-4C72-9B6F-EE43965DA9DB}"/>
               </a:ext>
             </a:extLst>
           </p:cNvPr>
@@ -2779,7 +2779,7 @@
           <p:cNvPr id="7" name="Slide Number Placeholder 6">
             <a:extLst>
               <a:ext uri="{FF2B5EF4-FFF2-40B4-BE49-F238E27FC236}">
-                <a16:creationId xmlns:a16="http://schemas.microsoft.com/office/drawing/2014/main" xmlns="" id="{5474055D-9410-4E28-8C54-90B4F6E7DBFF}"/>
+                <a16:creationId xmlns:a16="http://schemas.microsoft.com/office/drawing/2014/main" id="{5474055D-9410-4E28-8C54-90B4F6E7DBFF}"/>
               </a:ext>
             </a:extLst>
           </p:cNvPr>
@@ -2844,7 +2844,7 @@
           <p:cNvPr id="2" name="Title Placeholder 1">
             <a:extLst>
               <a:ext uri="{FF2B5EF4-FFF2-40B4-BE49-F238E27FC236}">
-                <a16:creationId xmlns:a16="http://schemas.microsoft.com/office/drawing/2014/main" xmlns="" id="{9449A4AD-9C61-4A2F-99E0-675E3359267C}"/>
+                <a16:creationId xmlns:a16="http://schemas.microsoft.com/office/drawing/2014/main" id="{9449A4AD-9C61-4A2F-99E0-675E3359267C}"/>
               </a:ext>
             </a:extLst>
           </p:cNvPr>
@@ -2883,7 +2883,7 @@
           <p:cNvPr id="3" name="Text Placeholder 2">
             <a:extLst>
               <a:ext uri="{FF2B5EF4-FFF2-40B4-BE49-F238E27FC236}">
-                <a16:creationId xmlns:a16="http://schemas.microsoft.com/office/drawing/2014/main" xmlns="" id="{A10F732A-189B-4AC1-886A-23584A50B846}"/>
+                <a16:creationId xmlns:a16="http://schemas.microsoft.com/office/drawing/2014/main" id="{A10F732A-189B-4AC1-886A-23584A50B846}"/>
               </a:ext>
             </a:extLst>
           </p:cNvPr>
@@ -2951,7 +2951,7 @@
           <p:cNvPr id="4" name="Date Placeholder 3">
             <a:extLst>
               <a:ext uri="{FF2B5EF4-FFF2-40B4-BE49-F238E27FC236}">
-                <a16:creationId xmlns:a16="http://schemas.microsoft.com/office/drawing/2014/main" xmlns="" id="{D5F3EE23-AF03-4903-9219-60875A711FC4}"/>
+                <a16:creationId xmlns:a16="http://schemas.microsoft.com/office/drawing/2014/main" id="{D5F3EE23-AF03-4903-9219-60875A711FC4}"/>
               </a:ext>
             </a:extLst>
           </p:cNvPr>
@@ -2988,7 +2988,7 @@
             <a:fld id="{C0697723-E498-4D64-BBB6-490ED1364AC9}" type="datetimeFigureOut">
               <a:rPr lang="en-IN" smtClean="0"/>
               <a:pPr/>
-              <a:t>29-12-2022</a:t>
+              <a:t>09-01-2025</a:t>
             </a:fld>
             <a:endParaRPr lang="en-IN"/>
           </a:p>
@@ -2999,7 +2999,7 @@
           <p:cNvPr id="5" name="Footer Placeholder 4">
             <a:extLst>
               <a:ext uri="{FF2B5EF4-FFF2-40B4-BE49-F238E27FC236}">
-                <a16:creationId xmlns:a16="http://schemas.microsoft.com/office/drawing/2014/main" xmlns="" id="{957FC4B0-FF26-4AB9-BACD-041A24DCD298}"/>
+                <a16:creationId xmlns:a16="http://schemas.microsoft.com/office/drawing/2014/main" id="{957FC4B0-FF26-4AB9-BACD-041A24DCD298}"/>
               </a:ext>
             </a:extLst>
           </p:cNvPr>
@@ -3042,7 +3042,7 @@
           <p:cNvPr id="6" name="Slide Number Placeholder 5">
             <a:extLst>
               <a:ext uri="{FF2B5EF4-FFF2-40B4-BE49-F238E27FC236}">
-                <a16:creationId xmlns:a16="http://schemas.microsoft.com/office/drawing/2014/main" xmlns="" id="{F4C8E684-F46A-48CC-BAD8-663F8E1173CA}"/>
+                <a16:creationId xmlns:a16="http://schemas.microsoft.com/office/drawing/2014/main" id="{F4C8E684-F46A-48CC-BAD8-663F8E1173CA}"/>
               </a:ext>
             </a:extLst>
           </p:cNvPr>
@@ -3411,7 +3411,7 @@
           <p:cNvPr id="14" name="Straight Connector 13">
             <a:extLst>
               <a:ext uri="{FF2B5EF4-FFF2-40B4-BE49-F238E27FC236}">
-                <a16:creationId xmlns:a16="http://schemas.microsoft.com/office/drawing/2014/main" xmlns="" id="{44FD96A8-0571-4828-AA94-7DB93A4857C5}"/>
+                <a16:creationId xmlns:a16="http://schemas.microsoft.com/office/drawing/2014/main" id="{44FD96A8-0571-4828-AA94-7DB93A4857C5}"/>
               </a:ext>
             </a:extLst>
           </p:cNvPr>
@@ -3454,7 +3454,7 @@
           <p:cNvPr id="16" name="Rectangle 15">
             <a:extLst>
               <a:ext uri="{FF2B5EF4-FFF2-40B4-BE49-F238E27FC236}">
-                <a16:creationId xmlns:a16="http://schemas.microsoft.com/office/drawing/2014/main" xmlns="" id="{32465F97-45E8-4475-81F0-E171C116B224}"/>
+                <a16:creationId xmlns:a16="http://schemas.microsoft.com/office/drawing/2014/main" id="{32465F97-45E8-4475-81F0-E171C116B224}"/>
               </a:ext>
             </a:extLst>
           </p:cNvPr>
@@ -3477,11 +3477,11 @@
           <a:lstStyle/>
           <a:p>
             <a:r>
-              <a:rPr lang="en-US" sz="2400" b="1" dirty="0" err="1" smtClean="0"/>
+              <a:rPr lang="en-US" sz="2400" b="1" dirty="0" err="1"/>
               <a:t>Asha</a:t>
             </a:r>
             <a:r>
-              <a:rPr lang="en-US" sz="2400" b="1" dirty="0" smtClean="0"/>
+              <a:rPr lang="en-US" sz="2400" b="1" dirty="0"/>
               <a:t> A</a:t>
             </a:r>
             <a:endParaRPr lang="en-IN" sz="2400" b="1" dirty="0"/>
@@ -3493,7 +3493,7 @@
           <p:cNvPr id="17" name="Rectangle 16">
             <a:extLst>
               <a:ext uri="{FF2B5EF4-FFF2-40B4-BE49-F238E27FC236}">
-                <a16:creationId xmlns:a16="http://schemas.microsoft.com/office/drawing/2014/main" xmlns="" id="{62AC1A6C-10C2-4695-9224-09DA1B0D5932}"/>
+                <a16:creationId xmlns:a16="http://schemas.microsoft.com/office/drawing/2014/main" id="{62AC1A6C-10C2-4695-9224-09DA1B0D5932}"/>
               </a:ext>
             </a:extLst>
           </p:cNvPr>
@@ -3528,7 +3528,7 @@
           <p:cNvPr id="23" name="Group 22">
             <a:extLst>
               <a:ext uri="{FF2B5EF4-FFF2-40B4-BE49-F238E27FC236}">
-                <a16:creationId xmlns:a16="http://schemas.microsoft.com/office/drawing/2014/main" xmlns="" id="{6DD8DCC0-549E-48DB-8CCA-E3FF8FBDEBF0}"/>
+                <a16:creationId xmlns:a16="http://schemas.microsoft.com/office/drawing/2014/main" id="{6DD8DCC0-549E-48DB-8CCA-E3FF8FBDEBF0}"/>
               </a:ext>
             </a:extLst>
           </p:cNvPr>
@@ -3554,7 +3554,7 @@
             <p:cNvPr id="24" name="Rectangle 23">
               <a:extLst>
                 <a:ext uri="{FF2B5EF4-FFF2-40B4-BE49-F238E27FC236}">
-                  <a16:creationId xmlns:a16="http://schemas.microsoft.com/office/drawing/2014/main" xmlns="" id="{B895392A-2454-40A6-9F7C-BC20D3A463EB}"/>
+                  <a16:creationId xmlns:a16="http://schemas.microsoft.com/office/drawing/2014/main" id="{B895392A-2454-40A6-9F7C-BC20D3A463EB}"/>
                 </a:ext>
               </a:extLst>
             </p:cNvPr>
@@ -3604,7 +3604,7 @@
             <p:cNvPr id="25" name="Rectangle 24">
               <a:extLst>
                 <a:ext uri="{FF2B5EF4-FFF2-40B4-BE49-F238E27FC236}">
-                  <a16:creationId xmlns:a16="http://schemas.microsoft.com/office/drawing/2014/main" xmlns="" id="{DC7604FF-DE88-44B6-A0D9-723028500B8B}"/>
+                  <a16:creationId xmlns:a16="http://schemas.microsoft.com/office/drawing/2014/main" id="{DC7604FF-DE88-44B6-A0D9-723028500B8B}"/>
                 </a:ext>
               </a:extLst>
             </p:cNvPr>
@@ -3654,7 +3654,7 @@
             <p:cNvPr id="26" name="Rectangle 25">
               <a:extLst>
                 <a:ext uri="{FF2B5EF4-FFF2-40B4-BE49-F238E27FC236}">
-                  <a16:creationId xmlns:a16="http://schemas.microsoft.com/office/drawing/2014/main" xmlns="" id="{35F4DC18-13F2-43D2-9B15-157998AF1875}"/>
+                  <a16:creationId xmlns:a16="http://schemas.microsoft.com/office/drawing/2014/main" id="{35F4DC18-13F2-43D2-9B15-157998AF1875}"/>
                 </a:ext>
               </a:extLst>
             </p:cNvPr>
@@ -3704,7 +3704,7 @@
             <p:cNvPr id="27" name="Rectangle 26">
               <a:extLst>
                 <a:ext uri="{FF2B5EF4-FFF2-40B4-BE49-F238E27FC236}">
-                  <a16:creationId xmlns:a16="http://schemas.microsoft.com/office/drawing/2014/main" xmlns="" id="{34375A76-1BF8-4628-B0FE-78E1BEB569B2}"/>
+                  <a16:creationId xmlns:a16="http://schemas.microsoft.com/office/drawing/2014/main" id="{34375A76-1BF8-4628-B0FE-78E1BEB569B2}"/>
                 </a:ext>
               </a:extLst>
             </p:cNvPr>
@@ -3755,7 +3755,7 @@
           <p:cNvPr id="13" name="Picture 12" descr="A close up of a logo&#10;&#10;Description automatically generated">
             <a:extLst>
               <a:ext uri="{FF2B5EF4-FFF2-40B4-BE49-F238E27FC236}">
-                <a16:creationId xmlns:a16="http://schemas.microsoft.com/office/drawing/2014/main" xmlns="" id="{DBF62E6F-20D6-4DF2-A881-ECD3EEB1A24C}"/>
+                <a16:creationId xmlns:a16="http://schemas.microsoft.com/office/drawing/2014/main" id="{DBF62E6F-20D6-4DF2-A881-ECD3EEB1A24C}"/>
               </a:ext>
             </a:extLst>
           </p:cNvPr>
@@ -3791,7 +3791,7 @@
           <p:cNvPr id="15" name="Rectangle 14">
             <a:extLst>
               <a:ext uri="{FF2B5EF4-FFF2-40B4-BE49-F238E27FC236}">
-                <a16:creationId xmlns:a16="http://schemas.microsoft.com/office/drawing/2014/main" xmlns="" id="{43211A6E-71CA-46AC-B929-E502AF599D76}"/>
+                <a16:creationId xmlns:a16="http://schemas.microsoft.com/office/drawing/2014/main" id="{43211A6E-71CA-46AC-B929-E502AF599D76}"/>
               </a:ext>
             </a:extLst>
           </p:cNvPr>
@@ -3864,7 +3864,7 @@
           <p:cNvPr id="22" name="Rectangle 21">
             <a:extLst>
               <a:ext uri="{FF2B5EF4-FFF2-40B4-BE49-F238E27FC236}">
-                <a16:creationId xmlns:a16="http://schemas.microsoft.com/office/drawing/2014/main" xmlns="" id="{620A7DEA-950C-4954-B3B7-2672370FABF4}"/>
+                <a16:creationId xmlns:a16="http://schemas.microsoft.com/office/drawing/2014/main" id="{620A7DEA-950C-4954-B3B7-2672370FABF4}"/>
               </a:ext>
             </a:extLst>
           </p:cNvPr>
@@ -3910,7 +3910,7 @@
           <p:cNvPr id="8" name="Straight Connector 7">
             <a:extLst>
               <a:ext uri="{FF2B5EF4-FFF2-40B4-BE49-F238E27FC236}">
-                <a16:creationId xmlns:a16="http://schemas.microsoft.com/office/drawing/2014/main" xmlns="" id="{A4293697-6E2C-4331-B4E1-C58B355192F4}"/>
+                <a16:creationId xmlns:a16="http://schemas.microsoft.com/office/drawing/2014/main" id="{A4293697-6E2C-4331-B4E1-C58B355192F4}"/>
               </a:ext>
             </a:extLst>
           </p:cNvPr>
@@ -3953,7 +3953,7 @@
           <p:cNvPr id="6" name="Picture 5" descr="A close up of a logo&#10;&#10;Description automatically generated">
             <a:extLst>
               <a:ext uri="{FF2B5EF4-FFF2-40B4-BE49-F238E27FC236}">
-                <a16:creationId xmlns:a16="http://schemas.microsoft.com/office/drawing/2014/main" xmlns="" id="{08D8E659-ABBD-4E58-8353-D33866EBB3E6}"/>
+                <a16:creationId xmlns:a16="http://schemas.microsoft.com/office/drawing/2014/main" id="{08D8E659-ABBD-4E58-8353-D33866EBB3E6}"/>
               </a:ext>
             </a:extLst>
           </p:cNvPr>
@@ -3989,7 +3989,7 @@
           <p:cNvPr id="9" name="Content Placeholder 2">
             <a:extLst>
               <a:ext uri="{FF2B5EF4-FFF2-40B4-BE49-F238E27FC236}">
-                <a16:creationId xmlns:a16="http://schemas.microsoft.com/office/drawing/2014/main" xmlns="" id="{B1AEBD28-7BCD-4BFF-8D86-9C5F49398112}"/>
+                <a16:creationId xmlns:a16="http://schemas.microsoft.com/office/drawing/2014/main" id="{B1AEBD28-7BCD-4BFF-8D86-9C5F49398112}"/>
               </a:ext>
             </a:extLst>
           </p:cNvPr>
@@ -4033,23 +4033,18 @@
           <a:p>
             <a:pPr algn="just"/>
             <a:r>
-              <a:rPr lang="en-US" b="1" i="1" dirty="0" smtClean="0">
+              <a:rPr lang="en-US" b="1" i="1" dirty="0">
                 <a:effectLst/>
                 <a:latin typeface="Calibri" panose="020F0502020204030204" pitchFamily="34" charset="0"/>
                 <a:ea typeface="Times New Roman" panose="02020603050405020304" pitchFamily="18" charset="0"/>
               </a:rPr>
               <a:t>Battery Characteristics(contd.)</a:t>
             </a:r>
-            <a:endParaRPr lang="en-US" b="1" i="1" dirty="0">
-              <a:effectLst/>
-              <a:latin typeface="Calibri" panose="020F0502020204030204" pitchFamily="34" charset="0"/>
-              <a:ea typeface="Times New Roman" panose="02020603050405020304" pitchFamily="18" charset="0"/>
-            </a:endParaRPr>
           </a:p>
           <a:p>
             <a:pPr lvl="1" algn="just"/>
             <a:r>
-              <a:rPr lang="en-US" b="1" i="1" dirty="0" smtClean="0">
+              <a:rPr lang="en-US" b="1" i="1" dirty="0">
                 <a:effectLst/>
                 <a:latin typeface="Calibri" panose="020F0502020204030204" pitchFamily="34" charset="0"/>
                 <a:ea typeface="Times New Roman" panose="02020603050405020304" pitchFamily="18" charset="0"/>
@@ -4060,7 +4055,7 @@
           <a:p>
             <a:pPr lvl="1" algn="just"/>
             <a:r>
-              <a:rPr lang="en-US" b="1" i="1" dirty="0" smtClean="0">
+              <a:rPr lang="en-US" b="1" i="1" dirty="0">
                 <a:latin typeface="Calibri" panose="020F0502020204030204" pitchFamily="34" charset="0"/>
                 <a:ea typeface="Times New Roman" panose="02020603050405020304" pitchFamily="18" charset="0"/>
               </a:rPr>
@@ -4070,7 +4065,7 @@
           <a:p>
             <a:pPr lvl="1" algn="just"/>
             <a:r>
-              <a:rPr lang="en-US" b="1" i="1" dirty="0" smtClean="0">
+              <a:rPr lang="en-US" b="1" i="1" dirty="0">
                 <a:effectLst/>
                 <a:latin typeface="Calibri" panose="020F0502020204030204" pitchFamily="34" charset="0"/>
                 <a:ea typeface="Times New Roman" panose="02020603050405020304" pitchFamily="18" charset="0"/>
@@ -4081,7 +4076,7 @@
           <a:p>
             <a:pPr lvl="1" algn="just"/>
             <a:r>
-              <a:rPr lang="en-US" b="1" i="1" dirty="0" smtClean="0">
+              <a:rPr lang="en-US" b="1" i="1" dirty="0">
                 <a:latin typeface="Calibri" panose="020F0502020204030204" pitchFamily="34" charset="0"/>
                 <a:ea typeface="Times New Roman" panose="02020603050405020304" pitchFamily="18" charset="0"/>
               </a:rPr>
@@ -4091,7 +4086,7 @@
           <a:p>
             <a:pPr lvl="1" algn="just"/>
             <a:r>
-              <a:rPr lang="en-US" b="1" i="1" dirty="0" smtClean="0">
+              <a:rPr lang="en-US" b="1" i="1" dirty="0">
                 <a:effectLst/>
                 <a:latin typeface="Calibri" panose="020F0502020204030204" pitchFamily="34" charset="0"/>
                 <a:ea typeface="Times New Roman" panose="02020603050405020304" pitchFamily="18" charset="0"/>
@@ -4102,7 +4097,7 @@
           <a:p>
             <a:pPr lvl="1" algn="just"/>
             <a:r>
-              <a:rPr lang="en-US" b="1" i="1" dirty="0" smtClean="0">
+              <a:rPr lang="en-US" b="1" i="1" dirty="0">
                 <a:latin typeface="Calibri" panose="020F0502020204030204" pitchFamily="34" charset="0"/>
                 <a:ea typeface="Times New Roman" panose="02020603050405020304" pitchFamily="18" charset="0"/>
               </a:rPr>
@@ -4112,7 +4107,7 @@
           <a:p>
             <a:pPr lvl="1" algn="just"/>
             <a:r>
-              <a:rPr lang="en-US" b="1" i="1" dirty="0" smtClean="0">
+              <a:rPr lang="en-US" b="1" i="1" dirty="0">
                 <a:effectLst/>
                 <a:latin typeface="Calibri" panose="020F0502020204030204" pitchFamily="34" charset="0"/>
                 <a:ea typeface="Times New Roman" panose="02020603050405020304" pitchFamily="18" charset="0"/>
@@ -4123,7 +4118,7 @@
           <a:p>
             <a:pPr lvl="1" algn="just"/>
             <a:r>
-              <a:rPr lang="en-US" b="1" i="1" dirty="0" smtClean="0">
+              <a:rPr lang="en-US" b="1" i="1" dirty="0">
                 <a:latin typeface="Calibri" panose="020F0502020204030204" pitchFamily="34" charset="0"/>
                 <a:ea typeface="Times New Roman" panose="02020603050405020304" pitchFamily="18" charset="0"/>
               </a:rPr>
@@ -4172,7 +4167,7 @@
           <p:cNvPr id="8" name="Straight Connector 7">
             <a:extLst>
               <a:ext uri="{FF2B5EF4-FFF2-40B4-BE49-F238E27FC236}">
-                <a16:creationId xmlns:a16="http://schemas.microsoft.com/office/drawing/2014/main" xmlns="" id="{A4293697-6E2C-4331-B4E1-C58B355192F4}"/>
+                <a16:creationId xmlns:a16="http://schemas.microsoft.com/office/drawing/2014/main" id="{A4293697-6E2C-4331-B4E1-C58B355192F4}"/>
               </a:ext>
             </a:extLst>
           </p:cNvPr>
@@ -4215,7 +4210,7 @@
           <p:cNvPr id="6" name="Picture 5" descr="A close up of a logo&#10;&#10;Description automatically generated">
             <a:extLst>
               <a:ext uri="{FF2B5EF4-FFF2-40B4-BE49-F238E27FC236}">
-                <a16:creationId xmlns:a16="http://schemas.microsoft.com/office/drawing/2014/main" xmlns="" id="{08D8E659-ABBD-4E58-8353-D33866EBB3E6}"/>
+                <a16:creationId xmlns:a16="http://schemas.microsoft.com/office/drawing/2014/main" id="{08D8E659-ABBD-4E58-8353-D33866EBB3E6}"/>
               </a:ext>
             </a:extLst>
           </p:cNvPr>
@@ -4251,7 +4246,7 @@
           <p:cNvPr id="7" name="Rectangle 6">
             <a:extLst>
               <a:ext uri="{FF2B5EF4-FFF2-40B4-BE49-F238E27FC236}">
-                <a16:creationId xmlns:a16="http://schemas.microsoft.com/office/drawing/2014/main" xmlns="" id="{D14CB69A-0424-4C01-A311-B65E140C5B4A}"/>
+                <a16:creationId xmlns:a16="http://schemas.microsoft.com/office/drawing/2014/main" id="{D14CB69A-0424-4C01-A311-B65E140C5B4A}"/>
               </a:ext>
             </a:extLst>
           </p:cNvPr>
@@ -4663,7 +4658,7 @@
               </a:lnSpc>
             </a:pPr>
             <a:r>
-              <a:rPr lang="en-US" sz="2400" dirty="0" smtClean="0">
+              <a:rPr lang="en-US" sz="2400" dirty="0">
                 <a:solidFill>
                   <a:srgbClr val="0000CC"/>
                 </a:solidFill>
@@ -4671,7 +4666,7 @@
               <a:t> </a:t>
             </a:r>
             <a:r>
-              <a:rPr lang="en-US" sz="2400" b="1" dirty="0" smtClean="0">
+              <a:rPr lang="en-US" sz="2400" b="1" dirty="0">
                 <a:solidFill>
                   <a:schemeClr val="accent1">
                     <a:lumMod val="50000"/>
@@ -4681,7 +4676,7 @@
               <a:t>Capacity:</a:t>
             </a:r>
             <a:r>
-              <a:rPr lang="en-US" sz="2400" dirty="0" smtClean="0">
+              <a:rPr lang="en-US" sz="2400" dirty="0">
                 <a:solidFill>
                   <a:srgbClr val="0000CC"/>
                 </a:solidFill>
@@ -4695,28 +4690,23 @@
               <a:buChar char="•"/>
             </a:pPr>
             <a:r>
-              <a:rPr lang="en-US" sz="2000" dirty="0" smtClean="0"/>
+              <a:rPr lang="en-US" sz="2000" dirty="0"/>
               <a:t> Charge or amount of electricity that may be  obtained from the battery</a:t>
             </a:r>
           </a:p>
           <a:p>
             <a:r>
-              <a:rPr lang="en-US" sz="2000" dirty="0" smtClean="0"/>
+              <a:rPr lang="en-US" sz="2000" dirty="0"/>
               <a:t>   and is given in </a:t>
             </a:r>
             <a:r>
-              <a:rPr lang="en-US" sz="2000" b="1" dirty="0" smtClean="0">
+              <a:rPr lang="en-US" sz="2000" b="1" dirty="0">
                 <a:solidFill>
                   <a:srgbClr val="C42ABD"/>
                 </a:solidFill>
               </a:rPr>
               <a:t>Ah</a:t>
             </a:r>
-            <a:endParaRPr lang="en-US" sz="2000" b="1" dirty="0">
-              <a:solidFill>
-                <a:srgbClr val="C42ABD"/>
-              </a:solidFill>
-            </a:endParaRPr>
           </a:p>
         </p:txBody>
       </p:sp>
@@ -4746,10 +4736,9 @@
               <a:buChar char="•"/>
             </a:pPr>
             <a:r>
-              <a:rPr lang="en-US" sz="2000" dirty="0" smtClean="0"/>
+              <a:rPr lang="en-US" sz="2000" dirty="0"/>
               <a:t>  Faraday’s relation  </a:t>
             </a:r>
-            <a:endParaRPr lang="en-US" sz="2000" dirty="0"/>
           </a:p>
         </p:txBody>
       </p:sp>
@@ -4812,10 +4801,9 @@
           <a:lstStyle/>
           <a:p>
             <a:r>
-              <a:rPr lang="en-US" sz="2000" dirty="0" smtClean="0"/>
+              <a:rPr lang="en-US" sz="2000" dirty="0"/>
               <a:t>C is the capacity , w is the mass and M is the molar mass of active material</a:t>
             </a:r>
-            <a:endParaRPr lang="en-US" sz="2000" dirty="0"/>
           </a:p>
         </p:txBody>
       </p:sp>
@@ -4872,7 +4860,7 @@
           <a:lstStyle/>
           <a:p>
             <a:r>
-              <a:rPr lang="en-US" sz="1400" dirty="0" smtClean="0">
+              <a:rPr lang="en-US" sz="1400" dirty="0">
                 <a:hlinkClick r:id="rId5"/>
               </a:rPr>
               <a:t>http://www.hangtimes.com/robert_hoff_on_esv_s.html</a:t>
@@ -4908,11 +4896,11 @@
               <a:buChar char="•"/>
             </a:pPr>
             <a:r>
-              <a:rPr lang="en-GB" dirty="0" smtClean="0"/>
+              <a:rPr lang="en-GB" dirty="0"/>
               <a:t>  Capacity depends on : </a:t>
             </a:r>
             <a:r>
-              <a:rPr lang="en-GB" b="1" dirty="0" smtClean="0">
+              <a:rPr lang="en-GB" b="1" dirty="0">
                 <a:solidFill>
                   <a:srgbClr val="C42ABD"/>
                 </a:solidFill>
@@ -4922,18 +4910,13 @@
           </a:p>
           <a:p>
             <a:r>
-              <a:rPr lang="en-GB" b="1" dirty="0" smtClean="0">
+              <a:rPr lang="en-GB" b="1" dirty="0">
                 <a:solidFill>
                   <a:srgbClr val="C42ABD"/>
                 </a:solidFill>
               </a:rPr>
               <a:t>                                           Discharge conditions of the battery </a:t>
             </a:r>
-            <a:endParaRPr lang="en-GB" b="1" dirty="0">
-              <a:solidFill>
-                <a:srgbClr val="C42ABD"/>
-              </a:solidFill>
-            </a:endParaRPr>
           </a:p>
         </p:txBody>
       </p:sp>
@@ -4964,7 +4947,7 @@
               <a:buChar char="•"/>
             </a:pPr>
             <a:r>
-              <a:rPr lang="en-GB" sz="2000" b="1" dirty="0" smtClean="0">
+              <a:rPr lang="en-GB" sz="2000" b="1" dirty="0">
                 <a:solidFill>
                   <a:schemeClr val="accent1">
                     <a:lumMod val="50000"/>
@@ -4980,7 +4963,7 @@
               <a:buChar char="•"/>
             </a:pPr>
             <a:r>
-              <a:rPr lang="en-GB" sz="2000" b="1" dirty="0" smtClean="0">
+              <a:rPr lang="en-GB" sz="2000" b="1" dirty="0">
                 <a:solidFill>
                   <a:schemeClr val="accent1">
                     <a:lumMod val="50000"/>
@@ -4990,7 +4973,7 @@
               <a:t> </a:t>
             </a:r>
             <a:r>
-              <a:rPr lang="en-GB" sz="2000" dirty="0" smtClean="0"/>
+              <a:rPr lang="en-GB" sz="2000" dirty="0"/>
               <a:t>The time period, t, for which the battery will last when a constant current, I, is drawn</a:t>
             </a:r>
           </a:p>
@@ -5000,11 +4983,11 @@
               <a:buChar char="•"/>
             </a:pPr>
             <a:r>
-              <a:rPr lang="en-US" sz="2000" dirty="0" smtClean="0"/>
+              <a:rPr lang="en-US" sz="2000" dirty="0"/>
               <a:t> </a:t>
             </a:r>
             <a:r>
-              <a:rPr lang="en-US" sz="2000" b="1" dirty="0" smtClean="0">
+              <a:rPr lang="en-US" sz="2000" b="1" dirty="0">
                 <a:solidFill>
                   <a:srgbClr val="C42ABD"/>
                 </a:solidFill>
@@ -5012,7 +4995,7 @@
               <a:t>Longer the flat portion </a:t>
             </a:r>
             <a:r>
-              <a:rPr lang="en-US" sz="2000" dirty="0" smtClean="0"/>
+              <a:rPr lang="en-US" sz="2000" dirty="0"/>
               <a:t>of the curve better is the capacity</a:t>
             </a:r>
           </a:p>
@@ -5060,7 +5043,7 @@
           <p:cNvPr id="8" name="Straight Connector 7">
             <a:extLst>
               <a:ext uri="{FF2B5EF4-FFF2-40B4-BE49-F238E27FC236}">
-                <a16:creationId xmlns:a16="http://schemas.microsoft.com/office/drawing/2014/main" xmlns="" id="{A4293697-6E2C-4331-B4E1-C58B355192F4}"/>
+                <a16:creationId xmlns:a16="http://schemas.microsoft.com/office/drawing/2014/main" id="{A4293697-6E2C-4331-B4E1-C58B355192F4}"/>
               </a:ext>
             </a:extLst>
           </p:cNvPr>
@@ -5103,7 +5086,7 @@
           <p:cNvPr id="6" name="Picture 5" descr="A close up of a logo&#10;&#10;Description automatically generated">
             <a:extLst>
               <a:ext uri="{FF2B5EF4-FFF2-40B4-BE49-F238E27FC236}">
-                <a16:creationId xmlns:a16="http://schemas.microsoft.com/office/drawing/2014/main" xmlns="" id="{08D8E659-ABBD-4E58-8353-D33866EBB3E6}"/>
+                <a16:creationId xmlns:a16="http://schemas.microsoft.com/office/drawing/2014/main" id="{08D8E659-ABBD-4E58-8353-D33866EBB3E6}"/>
               </a:ext>
             </a:extLst>
           </p:cNvPr>
@@ -5139,7 +5122,7 @@
           <p:cNvPr id="7" name="Rectangle 6">
             <a:extLst>
               <a:ext uri="{FF2B5EF4-FFF2-40B4-BE49-F238E27FC236}">
-                <a16:creationId xmlns:a16="http://schemas.microsoft.com/office/drawing/2014/main" xmlns="" id="{D14CB69A-0424-4C01-A311-B65E140C5B4A}"/>
+                <a16:creationId xmlns:a16="http://schemas.microsoft.com/office/drawing/2014/main" id="{D14CB69A-0424-4C01-A311-B65E140C5B4A}"/>
               </a:ext>
             </a:extLst>
           </p:cNvPr>
@@ -5185,7 +5168,7 @@
           <p:cNvPr id="11" name="Content Placeholder 2">
             <a:extLst>
               <a:ext uri="{FF2B5EF4-FFF2-40B4-BE49-F238E27FC236}">
-                <a16:creationId xmlns:a16="http://schemas.microsoft.com/office/drawing/2014/main" xmlns="" id="{C20FFE20-8DFD-4934-B1C9-19C4668A36B0}"/>
+                <a16:creationId xmlns:a16="http://schemas.microsoft.com/office/drawing/2014/main" id="{C20FFE20-8DFD-4934-B1C9-19C4668A36B0}"/>
               </a:ext>
             </a:extLst>
           </p:cNvPr>
@@ -5592,7 +5575,7 @@
               </a:lnSpc>
             </a:pPr>
             <a:r>
-              <a:rPr lang="en-US" sz="2400" dirty="0" smtClean="0">
+              <a:rPr lang="en-US" sz="2400" dirty="0">
                 <a:solidFill>
                   <a:srgbClr val="0000CC"/>
                 </a:solidFill>
@@ -5600,7 +5583,7 @@
               <a:t> </a:t>
             </a:r>
             <a:r>
-              <a:rPr lang="en-US" sz="2400" b="1" dirty="0" smtClean="0">
+              <a:rPr lang="en-US" sz="2400" b="1" dirty="0">
                 <a:solidFill>
                   <a:schemeClr val="accent1">
                     <a:lumMod val="50000"/>
@@ -5619,7 +5602,7 @@
               <a:buChar char="•"/>
             </a:pPr>
             <a:r>
-              <a:rPr lang="en-US" sz="2400" dirty="0" smtClean="0"/>
+              <a:rPr lang="en-US" sz="2400" dirty="0"/>
               <a:t> Amount of charge or electricity per unit weight which the battery can hold</a:t>
             </a:r>
           </a:p>
@@ -5632,11 +5615,11 @@
               <a:buChar char="•"/>
             </a:pPr>
             <a:r>
-              <a:rPr lang="en-US" sz="2400" dirty="0" smtClean="0"/>
+              <a:rPr lang="en-US" sz="2400" dirty="0"/>
               <a:t>Weight includes weight of </a:t>
             </a:r>
             <a:r>
-              <a:rPr lang="en-US" sz="2400" b="1" dirty="0" smtClean="0">
+              <a:rPr lang="en-US" sz="2400" b="1" dirty="0">
                 <a:solidFill>
                   <a:srgbClr val="C42ABD"/>
                 </a:solidFill>
@@ -5644,7 +5627,7 @@
               <a:t>all the components </a:t>
             </a:r>
             <a:r>
-              <a:rPr lang="en-US" sz="2400" dirty="0" smtClean="0"/>
+              <a:rPr lang="en-US" sz="2400" dirty="0"/>
               <a:t>of the battery - electrodes, electrolyte, case, current collectors, terminals etc </a:t>
             </a:r>
           </a:p>
@@ -5657,7 +5640,7 @@
               <a:buChar char="•"/>
             </a:pPr>
             <a:r>
-              <a:rPr lang="en-US" sz="2400" dirty="0" smtClean="0"/>
+              <a:rPr lang="en-US" sz="2400" dirty="0"/>
               <a:t>To get high  electricity storage density, use of right kind of material for all the components is important</a:t>
             </a:r>
           </a:p>
@@ -5668,11 +5651,11 @@
               </a:lnSpc>
             </a:pPr>
             <a:r>
-              <a:rPr lang="en-US" sz="2400" dirty="0" smtClean="0"/>
+              <a:rPr lang="en-US" sz="2400" dirty="0"/>
               <a:t>e.g.,  </a:t>
             </a:r>
             <a:r>
-              <a:rPr lang="en-US" sz="2400" b="1" dirty="0" smtClean="0">
+              <a:rPr lang="en-US" sz="2400" b="1" dirty="0">
                 <a:solidFill>
                   <a:srgbClr val="C42ABD"/>
                 </a:solidFill>
@@ -5680,11 +5663,11 @@
               <a:t>7g of Li </a:t>
             </a:r>
             <a:r>
-              <a:rPr lang="en-US" sz="2400" dirty="0" smtClean="0"/>
+              <a:rPr lang="en-US" sz="2400" dirty="0"/>
               <a:t>is required at anode to give </a:t>
             </a:r>
             <a:r>
-              <a:rPr lang="en-US" sz="2400" b="1" dirty="0" smtClean="0">
+              <a:rPr lang="en-US" sz="2400" b="1" dirty="0">
                 <a:solidFill>
                   <a:srgbClr val="C42ABD"/>
                 </a:solidFill>
@@ -5692,11 +5675,11 @@
               <a:t>1F</a:t>
             </a:r>
             <a:r>
-              <a:rPr lang="en-US" sz="2400" dirty="0" smtClean="0"/>
+              <a:rPr lang="en-US" sz="2400" dirty="0"/>
               <a:t> of charge whereas </a:t>
             </a:r>
             <a:r>
-              <a:rPr lang="en-US" sz="2400" b="1" dirty="0" smtClean="0">
+              <a:rPr lang="en-US" sz="2400" b="1" dirty="0">
                 <a:solidFill>
                   <a:srgbClr val="C42ABD"/>
                 </a:solidFill>
@@ -5704,7 +5687,7 @@
               <a:t>104g of </a:t>
             </a:r>
             <a:r>
-              <a:rPr lang="en-US" sz="2400" b="1" dirty="0" err="1" smtClean="0">
+              <a:rPr lang="en-US" sz="2400" b="1" dirty="0" err="1">
                 <a:solidFill>
                   <a:srgbClr val="C42ABD"/>
                 </a:solidFill>
@@ -5712,7 +5695,7 @@
               <a:t>Pb</a:t>
             </a:r>
             <a:r>
-              <a:rPr lang="en-US" sz="2400" b="1" dirty="0" smtClean="0">
+              <a:rPr lang="en-US" sz="2400" b="1" dirty="0">
                 <a:solidFill>
                   <a:srgbClr val="C42ABD"/>
                 </a:solidFill>
@@ -5720,7 +5703,7 @@
               <a:t> </a:t>
             </a:r>
             <a:r>
-              <a:rPr lang="en-US" sz="2400" dirty="0" smtClean="0"/>
+              <a:rPr lang="en-US" sz="2400" dirty="0"/>
               <a:t>is required for the same amount of charge </a:t>
             </a:r>
           </a:p>
@@ -5764,7 +5747,7 @@
           <p:cNvPr id="8" name="Straight Connector 7">
             <a:extLst>
               <a:ext uri="{FF2B5EF4-FFF2-40B4-BE49-F238E27FC236}">
-                <a16:creationId xmlns:a16="http://schemas.microsoft.com/office/drawing/2014/main" xmlns="" id="{A4293697-6E2C-4331-B4E1-C58B355192F4}"/>
+                <a16:creationId xmlns:a16="http://schemas.microsoft.com/office/drawing/2014/main" id="{A4293697-6E2C-4331-B4E1-C58B355192F4}"/>
               </a:ext>
             </a:extLst>
           </p:cNvPr>
@@ -5807,7 +5790,7 @@
           <p:cNvPr id="6" name="Picture 5" descr="A close up of a logo&#10;&#10;Description automatically generated">
             <a:extLst>
               <a:ext uri="{FF2B5EF4-FFF2-40B4-BE49-F238E27FC236}">
-                <a16:creationId xmlns:a16="http://schemas.microsoft.com/office/drawing/2014/main" xmlns="" id="{08D8E659-ABBD-4E58-8353-D33866EBB3E6}"/>
+                <a16:creationId xmlns:a16="http://schemas.microsoft.com/office/drawing/2014/main" id="{08D8E659-ABBD-4E58-8353-D33866EBB3E6}"/>
               </a:ext>
             </a:extLst>
           </p:cNvPr>
@@ -5843,7 +5826,7 @@
           <p:cNvPr id="7" name="Rectangle 6">
             <a:extLst>
               <a:ext uri="{FF2B5EF4-FFF2-40B4-BE49-F238E27FC236}">
-                <a16:creationId xmlns:a16="http://schemas.microsoft.com/office/drawing/2014/main" xmlns="" id="{D14CB69A-0424-4C01-A311-B65E140C5B4A}"/>
+                <a16:creationId xmlns:a16="http://schemas.microsoft.com/office/drawing/2014/main" id="{D14CB69A-0424-4C01-A311-B65E140C5B4A}"/>
               </a:ext>
             </a:extLst>
           </p:cNvPr>
@@ -5889,7 +5872,7 @@
           <p:cNvPr id="11" name="Content Placeholder 2">
             <a:extLst>
               <a:ext uri="{FF2B5EF4-FFF2-40B4-BE49-F238E27FC236}">
-                <a16:creationId xmlns:a16="http://schemas.microsoft.com/office/drawing/2014/main" xmlns="" id="{C20FFE20-8DFD-4934-B1C9-19C4668A36B0}"/>
+                <a16:creationId xmlns:a16="http://schemas.microsoft.com/office/drawing/2014/main" id="{C20FFE20-8DFD-4934-B1C9-19C4668A36B0}"/>
               </a:ext>
             </a:extLst>
           </p:cNvPr>
@@ -6291,7 +6274,7 @@
           <a:lstStyle/>
           <a:p>
             <a:r>
-              <a:rPr lang="en-US" sz="2400" b="1" dirty="0" smtClean="0">
+              <a:rPr lang="en-US" sz="2400" b="1" dirty="0">
                 <a:solidFill>
                   <a:schemeClr val="accent1">
                     <a:lumMod val="50000"/>
@@ -6301,7 +6284,7 @@
               <a:t>Cycle life </a:t>
             </a:r>
             <a:r>
-              <a:rPr lang="en-US" sz="2400" dirty="0" smtClean="0">
+              <a:rPr lang="en-US" sz="2400" dirty="0">
                 <a:solidFill>
                   <a:srgbClr val="0000CC"/>
                 </a:solidFill>
@@ -6310,7 +6293,7 @@
             </a:r>
           </a:p>
           <a:p>
-            <a:endParaRPr lang="en-US" sz="2400" dirty="0" smtClean="0">
+            <a:endParaRPr lang="en-US" sz="2400" dirty="0">
               <a:solidFill>
                 <a:srgbClr val="0000CC"/>
               </a:solidFill>
@@ -6322,7 +6305,7 @@
               <a:buChar char="•"/>
             </a:pPr>
             <a:r>
-              <a:rPr lang="en-US" sz="2400" dirty="0" smtClean="0"/>
+              <a:rPr lang="en-US" sz="2400" dirty="0"/>
               <a:t> Number of charge/discharge cycles that are possible before failure occurs</a:t>
             </a:r>
           </a:p>
@@ -6332,11 +6315,11 @@
               <a:buChar char="•"/>
             </a:pPr>
             <a:r>
-              <a:rPr lang="en-US" sz="2400" dirty="0" smtClean="0"/>
+              <a:rPr lang="en-US" sz="2400" dirty="0"/>
               <a:t> Applicable only to </a:t>
             </a:r>
             <a:r>
-              <a:rPr lang="en-US" sz="2400" b="1" dirty="0" smtClean="0">
+              <a:rPr lang="en-US" sz="2400" b="1" dirty="0">
                 <a:solidFill>
                   <a:srgbClr val="C42ABD"/>
                 </a:solidFill>
@@ -6350,11 +6333,11 @@
               <a:buChar char="•"/>
             </a:pPr>
             <a:r>
-              <a:rPr lang="en-US" sz="2400" dirty="0" smtClean="0"/>
+              <a:rPr lang="en-US" sz="2400" dirty="0"/>
               <a:t> </a:t>
             </a:r>
             <a:r>
-              <a:rPr lang="en-US" sz="2400" b="1" dirty="0" smtClean="0">
+              <a:rPr lang="en-US" sz="2400" b="1" dirty="0">
                 <a:solidFill>
                   <a:srgbClr val="C42ABD"/>
                 </a:solidFill>
@@ -6368,8 +6351,20 @@
               <a:buChar char="•"/>
             </a:pPr>
             <a:r>
-              <a:rPr lang="en-US" sz="2400" dirty="0" smtClean="0"/>
-              <a:t> Corrosion at contact points </a:t>
+              <a:rPr lang="en-US" sz="2400" dirty="0"/>
+              <a:t> </a:t>
+            </a:r>
+            <a:r>
+              <a:rPr lang="en-US" sz="2400" dirty="0">
+                <a:highlight>
+                  <a:srgbClr val="FFFF00"/>
+                </a:highlight>
+              </a:rPr>
+              <a:t>Corrosion</a:t>
+            </a:r>
+            <a:r>
+              <a:rPr lang="en-US" sz="2400" dirty="0"/>
+              <a:t> at contact points </a:t>
             </a:r>
           </a:p>
           <a:p>
@@ -6377,7 +6372,7 @@
               <a:buFont typeface="Arial" pitchFamily="34" charset="0"/>
               <a:buChar char="•"/>
             </a:pPr>
-            <a:endParaRPr lang="en-US" sz="2400" dirty="0" smtClean="0"/>
+            <a:endParaRPr lang="en-US" sz="2400" dirty="0"/>
           </a:p>
           <a:p>
             <a:pPr lvl="1">
@@ -6385,7 +6380,7 @@
               <a:buChar char="•"/>
             </a:pPr>
             <a:r>
-              <a:rPr lang="en-US" sz="2400" dirty="0" smtClean="0"/>
+              <a:rPr lang="en-US" sz="2400" dirty="0"/>
               <a:t> Shedding of active material from the plates</a:t>
             </a:r>
           </a:p>
@@ -6394,7 +6389,7 @@
               <a:buFont typeface="Arial" pitchFamily="34" charset="0"/>
               <a:buChar char="•"/>
             </a:pPr>
-            <a:endParaRPr lang="en-US" sz="2400" dirty="0" smtClean="0"/>
+            <a:endParaRPr lang="en-US" sz="2400" dirty="0"/>
           </a:p>
           <a:p>
             <a:pPr lvl="1">
@@ -6402,19 +6397,31 @@
               <a:buChar char="•"/>
             </a:pPr>
             <a:r>
-              <a:rPr lang="en-US" sz="2400" dirty="0" smtClean="0"/>
-              <a:t> Shorting between electrodes due to irregular crystal </a:t>
+              <a:rPr lang="en-US" sz="2400" dirty="0"/>
+              <a:t> </a:t>
+            </a:r>
+            <a:r>
+              <a:rPr lang="en-US" sz="2400" dirty="0">
+                <a:highlight>
+                  <a:srgbClr val="FFFF00"/>
+                </a:highlight>
+              </a:rPr>
+              <a:t>Shorting between electrodes </a:t>
+            </a:r>
+            <a:r>
+              <a:rPr lang="en-US" sz="2400" dirty="0"/>
+              <a:t>due to irregular crystal </a:t>
             </a:r>
           </a:p>
           <a:p>
             <a:pPr lvl="1"/>
             <a:r>
-              <a:rPr lang="en-US" sz="2400" dirty="0" smtClean="0"/>
+              <a:rPr lang="en-US" sz="2400" dirty="0"/>
               <a:t>  growth and changes in morphology</a:t>
             </a:r>
           </a:p>
           <a:p>
-            <a:endParaRPr lang="en-US" sz="2400" dirty="0" smtClean="0"/>
+            <a:endParaRPr lang="en-US" sz="2400" dirty="0"/>
           </a:p>
           <a:p>
             <a:endParaRPr lang="en-US" sz="2400" dirty="0"/>
@@ -6456,7 +6463,7 @@
           <p:cNvPr id="8" name="Straight Connector 7">
             <a:extLst>
               <a:ext uri="{FF2B5EF4-FFF2-40B4-BE49-F238E27FC236}">
-                <a16:creationId xmlns:a16="http://schemas.microsoft.com/office/drawing/2014/main" xmlns="" id="{A4293697-6E2C-4331-B4E1-C58B355192F4}"/>
+                <a16:creationId xmlns:a16="http://schemas.microsoft.com/office/drawing/2014/main" id="{A4293697-6E2C-4331-B4E1-C58B355192F4}"/>
               </a:ext>
             </a:extLst>
           </p:cNvPr>
@@ -6499,7 +6506,7 @@
           <p:cNvPr id="6" name="Picture 5" descr="A close up of a logo&#10;&#10;Description automatically generated">
             <a:extLst>
               <a:ext uri="{FF2B5EF4-FFF2-40B4-BE49-F238E27FC236}">
-                <a16:creationId xmlns:a16="http://schemas.microsoft.com/office/drawing/2014/main" xmlns="" id="{08D8E659-ABBD-4E58-8353-D33866EBB3E6}"/>
+                <a16:creationId xmlns:a16="http://schemas.microsoft.com/office/drawing/2014/main" id="{08D8E659-ABBD-4E58-8353-D33866EBB3E6}"/>
               </a:ext>
             </a:extLst>
           </p:cNvPr>
@@ -6535,7 +6542,7 @@
           <p:cNvPr id="7" name="Rectangle 6">
             <a:extLst>
               <a:ext uri="{FF2B5EF4-FFF2-40B4-BE49-F238E27FC236}">
-                <a16:creationId xmlns:a16="http://schemas.microsoft.com/office/drawing/2014/main" xmlns="" id="{D14CB69A-0424-4C01-A311-B65E140C5B4A}"/>
+                <a16:creationId xmlns:a16="http://schemas.microsoft.com/office/drawing/2014/main" id="{D14CB69A-0424-4C01-A311-B65E140C5B4A}"/>
               </a:ext>
             </a:extLst>
           </p:cNvPr>
@@ -6947,7 +6954,7 @@
               </a:spcAft>
             </a:pPr>
             <a:r>
-              <a:rPr lang="en-US" sz="2400" dirty="0" smtClean="0">
+              <a:rPr lang="en-US" sz="2400" dirty="0">
                 <a:solidFill>
                   <a:srgbClr val="0000CC"/>
                 </a:solidFill>
@@ -6955,7 +6962,7 @@
               <a:t> </a:t>
             </a:r>
             <a:r>
-              <a:rPr lang="en-US" sz="2400" b="1" dirty="0" smtClean="0">
+              <a:rPr lang="en-US" sz="2400" b="1" dirty="0">
                 <a:solidFill>
                   <a:schemeClr val="accent1">
                     <a:lumMod val="50000"/>
@@ -6974,7 +6981,7 @@
               <a:buChar char="•"/>
             </a:pPr>
             <a:r>
-              <a:rPr lang="en-US" sz="2400" dirty="0" smtClean="0"/>
+              <a:rPr lang="en-US" sz="2400" dirty="0"/>
               <a:t> Maximum time for which a battery can be stored without</a:t>
             </a:r>
           </a:p>
@@ -6985,7 +6992,7 @@
               </a:spcAft>
             </a:pPr>
             <a:r>
-              <a:rPr lang="en-US" sz="2400" dirty="0" smtClean="0"/>
+              <a:rPr lang="en-US" sz="2400" dirty="0"/>
               <a:t>   loss of performance</a:t>
             </a:r>
           </a:p>
@@ -6998,14 +7005,17 @@
               <a:buChar char="•"/>
             </a:pPr>
             <a:r>
-              <a:rPr lang="en-US" sz="2400" dirty="0" smtClean="0"/>
+              <a:rPr lang="en-US" sz="2400" dirty="0"/>
               <a:t> Low shelf life due to </a:t>
             </a:r>
             <a:r>
-              <a:rPr lang="en-US" sz="2400" b="1" dirty="0" smtClean="0">
+              <a:rPr lang="en-US" sz="2400" b="1" dirty="0">
                 <a:solidFill>
                   <a:srgbClr val="C42ABD"/>
                 </a:solidFill>
+                <a:highlight>
+                  <a:srgbClr val="FFFF00"/>
+                </a:highlight>
               </a:rPr>
               <a:t>self-discharge</a:t>
             </a:r>
@@ -7039,7 +7049,7 @@
               </a:spcAft>
             </a:pPr>
             <a:r>
-              <a:rPr lang="en-US" sz="2400" b="1" dirty="0" smtClean="0">
+              <a:rPr lang="en-US" sz="2400" b="1" dirty="0">
                 <a:solidFill>
                   <a:schemeClr val="accent1">
                     <a:lumMod val="50000"/>
@@ -7058,11 +7068,11 @@
               <a:buChar char="•"/>
             </a:pPr>
             <a:r>
-              <a:rPr lang="en-US" sz="2400" dirty="0" smtClean="0"/>
+              <a:rPr lang="en-US" sz="2400" dirty="0"/>
               <a:t>The battery has to be tolerant to different service conditions such as variation in </a:t>
             </a:r>
             <a:r>
-              <a:rPr lang="en-US" sz="2400" b="1" dirty="0" smtClean="0">
+              <a:rPr lang="en-US" sz="2400" b="1" dirty="0">
                 <a:solidFill>
                   <a:srgbClr val="C42ABD"/>
                 </a:solidFill>
@@ -7077,7 +7087,7 @@
               </a:lnSpc>
             </a:pPr>
             <a:r>
-              <a:rPr lang="en-US" sz="2400" dirty="0" smtClean="0"/>
+              <a:rPr lang="en-US" sz="2400" dirty="0"/>
               <a:t> </a:t>
             </a:r>
           </a:p>
@@ -7181,7 +7191,7 @@
               <a:tabLst/>
             </a:pPr>
             <a:r>
-              <a:rPr kumimoji="0" lang="en-US" sz="2400" b="1" i="0" u="none" strike="noStrike" cap="none" normalizeH="0" baseline="0" dirty="0" smtClean="0">
+              <a:rPr kumimoji="0" lang="en-US" sz="2400" b="1" i="0" u="none" strike="noStrike" cap="none" normalizeH="0" baseline="0" dirty="0">
                 <a:ln>
                   <a:noFill/>
                 </a:ln>
@@ -7215,7 +7225,7 @@
               <a:buNone/>
               <a:tabLst/>
             </a:pPr>
-            <a:endParaRPr kumimoji="0" lang="en-US" sz="2400" b="1" i="0" u="none" strike="noStrike" cap="none" normalizeH="0" baseline="0" dirty="0" smtClean="0">
+            <a:endParaRPr kumimoji="0" lang="en-US" sz="2400" b="1" i="0" u="none" strike="noStrike" cap="none" normalizeH="0" baseline="0" dirty="0">
               <a:ln>
                 <a:noFill/>
               </a:ln>
@@ -7247,7 +7257,7 @@
               <a:buNone/>
               <a:tabLst/>
             </a:pPr>
-            <a:endParaRPr kumimoji="0" lang="en-US" sz="2400" b="0" i="0" u="none" strike="noStrike" cap="none" normalizeH="0" baseline="0" dirty="0" smtClean="0">
+            <a:endParaRPr kumimoji="0" lang="en-US" sz="2400" b="0" i="0" u="none" strike="noStrike" cap="none" normalizeH="0" baseline="0" dirty="0">
               <a:ln>
                 <a:noFill/>
               </a:ln>
@@ -7277,7 +7287,7 @@
               <a:buNone/>
               <a:tabLst/>
             </a:pPr>
-            <a:endParaRPr lang="en-US" sz="2400" dirty="0" smtClean="0">
+            <a:endParaRPr lang="en-US" sz="2400" dirty="0">
               <a:solidFill>
                 <a:srgbClr val="000000"/>
               </a:solidFill>
@@ -7304,7 +7314,7 @@
               <a:tabLst/>
             </a:pPr>
             <a:r>
-              <a:rPr lang="en-US" sz="2400" dirty="0" smtClean="0">
+              <a:rPr lang="en-US" sz="2400" dirty="0">
                 <a:solidFill>
                   <a:srgbClr val="000000"/>
                 </a:solidFill>
@@ -7352,7 +7362,7 @@
           <p:cNvPr id="8" name="Straight Connector 7">
             <a:extLst>
               <a:ext uri="{FF2B5EF4-FFF2-40B4-BE49-F238E27FC236}">
-                <a16:creationId xmlns:a16="http://schemas.microsoft.com/office/drawing/2014/main" xmlns="" id="{A4293697-6E2C-4331-B4E1-C58B355192F4}"/>
+                <a16:creationId xmlns:a16="http://schemas.microsoft.com/office/drawing/2014/main" id="{A4293697-6E2C-4331-B4E1-C58B355192F4}"/>
               </a:ext>
             </a:extLst>
           </p:cNvPr>
@@ -7395,7 +7405,7 @@
           <p:cNvPr id="6" name="Picture 5" descr="A close up of a logo&#10;&#10;Description automatically generated">
             <a:extLst>
               <a:ext uri="{FF2B5EF4-FFF2-40B4-BE49-F238E27FC236}">
-                <a16:creationId xmlns:a16="http://schemas.microsoft.com/office/drawing/2014/main" xmlns="" id="{08D8E659-ABBD-4E58-8353-D33866EBB3E6}"/>
+                <a16:creationId xmlns:a16="http://schemas.microsoft.com/office/drawing/2014/main" id="{08D8E659-ABBD-4E58-8353-D33866EBB3E6}"/>
               </a:ext>
             </a:extLst>
           </p:cNvPr>
@@ -7431,7 +7441,7 @@
           <p:cNvPr id="7" name="Rectangle 6">
             <a:extLst>
               <a:ext uri="{FF2B5EF4-FFF2-40B4-BE49-F238E27FC236}">
-                <a16:creationId xmlns:a16="http://schemas.microsoft.com/office/drawing/2014/main" xmlns="" id="{D14CB69A-0424-4C01-A311-B65E140C5B4A}"/>
+                <a16:creationId xmlns:a16="http://schemas.microsoft.com/office/drawing/2014/main" id="{D14CB69A-0424-4C01-A311-B65E140C5B4A}"/>
               </a:ext>
             </a:extLst>
           </p:cNvPr>
@@ -7477,7 +7487,7 @@
           <p:cNvPr id="11" name="Content Placeholder 2">
             <a:extLst>
               <a:ext uri="{FF2B5EF4-FFF2-40B4-BE49-F238E27FC236}">
-                <a16:creationId xmlns:a16="http://schemas.microsoft.com/office/drawing/2014/main" xmlns="" id="{C20FFE20-8DFD-4934-B1C9-19C4668A36B0}"/>
+                <a16:creationId xmlns:a16="http://schemas.microsoft.com/office/drawing/2014/main" id="{C20FFE20-8DFD-4934-B1C9-19C4668A36B0}"/>
               </a:ext>
             </a:extLst>
           </p:cNvPr>
@@ -7984,7 +7994,7 @@
               </a:lnSpc>
             </a:pPr>
             <a:r>
-              <a:rPr lang="en-US" sz="2400" b="1" dirty="0" smtClean="0">
+              <a:rPr lang="en-US" sz="2400" b="1" dirty="0">
                 <a:solidFill>
                   <a:schemeClr val="accent1">
                     <a:lumMod val="50000"/>
@@ -8000,7 +8010,7 @@
                 <a:spcPct val="150000"/>
               </a:lnSpc>
             </a:pPr>
-            <a:endParaRPr lang="en-US" sz="2400" dirty="0" smtClean="0"/>
+            <a:endParaRPr lang="en-US" sz="2400" dirty="0"/>
           </a:p>
           <a:p>
             <a:pPr>
@@ -8008,7 +8018,7 @@
                 <a:spcPct val="150000"/>
               </a:lnSpc>
             </a:pPr>
-            <a:endParaRPr lang="en-US" sz="2400" dirty="0" smtClean="0"/>
+            <a:endParaRPr lang="en-US" sz="2400" dirty="0"/>
           </a:p>
           <a:p>
             <a:pPr>
@@ -8016,43 +8026,43 @@
                 <a:spcPct val="150000"/>
               </a:lnSpc>
             </a:pPr>
-            <a:endParaRPr lang="en-US" sz="2400" dirty="0" smtClean="0"/>
-          </a:p>
-          <a:p>
-            <a:endParaRPr lang="en-US" sz="2400" dirty="0" smtClean="0"/>
-          </a:p>
-          <a:p>
-            <a:endParaRPr lang="en-US" sz="2400" dirty="0" smtClean="0"/>
-          </a:p>
-          <a:p>
-            <a:r>
-              <a:rPr lang="en-US" sz="2400" dirty="0" smtClean="0"/>
+            <a:endParaRPr lang="en-US" sz="2400" dirty="0"/>
+          </a:p>
+          <a:p>
+            <a:endParaRPr lang="en-US" sz="2400" dirty="0"/>
+          </a:p>
+          <a:p>
+            <a:endParaRPr lang="en-US" sz="2400" dirty="0"/>
+          </a:p>
+          <a:p>
+            <a:r>
+              <a:rPr lang="en-US" sz="2400" dirty="0"/>
               <a:t>         where W is mass of the battery,  </a:t>
             </a:r>
             <a:r>
-              <a:rPr lang="en-US" sz="2400" dirty="0" err="1" smtClean="0"/>
+              <a:rPr lang="en-US" sz="2400" dirty="0" err="1"/>
               <a:t>i</a:t>
             </a:r>
             <a:r>
-              <a:rPr lang="en-US" sz="2400" dirty="0" smtClean="0"/>
+              <a:rPr lang="en-US" sz="2400" dirty="0"/>
               <a:t> and </a:t>
             </a:r>
             <a:r>
-              <a:rPr lang="en-US" sz="2400" dirty="0" err="1" smtClean="0"/>
+              <a:rPr lang="en-US" sz="2400" dirty="0" err="1"/>
               <a:t>E</a:t>
             </a:r>
             <a:r>
-              <a:rPr lang="en-US" sz="2400" baseline="-25000" dirty="0" err="1" smtClean="0"/>
+              <a:rPr lang="en-US" sz="2400" baseline="-25000" dirty="0" err="1"/>
               <a:t>cell</a:t>
             </a:r>
             <a:r>
-              <a:rPr lang="en-US" sz="2400" dirty="0" smtClean="0"/>
+              <a:rPr lang="en-US" sz="2400" dirty="0"/>
               <a:t> are</a:t>
             </a:r>
           </a:p>
           <a:p>
             <a:r>
-              <a:rPr lang="en-US" sz="2400" dirty="0" smtClean="0"/>
+              <a:rPr lang="en-US" sz="2400" dirty="0"/>
               <a:t>         current and EMF and t is time</a:t>
             </a:r>
           </a:p>
@@ -8061,7 +8071,7 @@
               <a:buFont typeface="Arial" pitchFamily="34" charset="0"/>
               <a:buChar char="•"/>
             </a:pPr>
-            <a:endParaRPr lang="en-US" sz="2400" dirty="0" smtClean="0"/>
+            <a:endParaRPr lang="en-US" sz="2400" dirty="0"/>
           </a:p>
           <a:p>
             <a:pPr>
@@ -8069,22 +8079,17 @@
               <a:buChar char="•"/>
             </a:pPr>
             <a:r>
-              <a:rPr lang="en-US" sz="2400" dirty="0" smtClean="0"/>
+              <a:rPr lang="en-US" sz="2400" dirty="0"/>
               <a:t>       </a:t>
             </a:r>
             <a:r>
-              <a:rPr lang="en-US" sz="2400" b="1" dirty="0" smtClean="0">
+              <a:rPr lang="en-US" sz="2400" b="1" dirty="0">
                 <a:solidFill>
                   <a:srgbClr val="C42ABD"/>
                 </a:solidFill>
               </a:rPr>
               <a:t>watt-hr/kg</a:t>
             </a:r>
-            <a:endParaRPr lang="en-US" sz="2400" b="1" dirty="0">
-              <a:solidFill>
-                <a:srgbClr val="C42ABD"/>
-              </a:solidFill>
-            </a:endParaRPr>
           </a:p>
         </p:txBody>
       </p:sp>
@@ -8123,7 +8128,7 @@
           <p:cNvPr id="8" name="Straight Connector 7">
             <a:extLst>
               <a:ext uri="{FF2B5EF4-FFF2-40B4-BE49-F238E27FC236}">
-                <a16:creationId xmlns:a16="http://schemas.microsoft.com/office/drawing/2014/main" xmlns="" id="{A4293697-6E2C-4331-B4E1-C58B355192F4}"/>
+                <a16:creationId xmlns:a16="http://schemas.microsoft.com/office/drawing/2014/main" id="{A4293697-6E2C-4331-B4E1-C58B355192F4}"/>
               </a:ext>
             </a:extLst>
           </p:cNvPr>
@@ -8166,7 +8171,7 @@
           <p:cNvPr id="6" name="Picture 5" descr="A close up of a logo&#10;&#10;Description automatically generated">
             <a:extLst>
               <a:ext uri="{FF2B5EF4-FFF2-40B4-BE49-F238E27FC236}">
-                <a16:creationId xmlns:a16="http://schemas.microsoft.com/office/drawing/2014/main" xmlns="" id="{08D8E659-ABBD-4E58-8353-D33866EBB3E6}"/>
+                <a16:creationId xmlns:a16="http://schemas.microsoft.com/office/drawing/2014/main" id="{08D8E659-ABBD-4E58-8353-D33866EBB3E6}"/>
               </a:ext>
             </a:extLst>
           </p:cNvPr>
@@ -8202,7 +8207,7 @@
           <p:cNvPr id="7" name="Rectangle 6">
             <a:extLst>
               <a:ext uri="{FF2B5EF4-FFF2-40B4-BE49-F238E27FC236}">
-                <a16:creationId xmlns:a16="http://schemas.microsoft.com/office/drawing/2014/main" xmlns="" id="{D14CB69A-0424-4C01-A311-B65E140C5B4A}"/>
+                <a16:creationId xmlns:a16="http://schemas.microsoft.com/office/drawing/2014/main" id="{D14CB69A-0424-4C01-A311-B65E140C5B4A}"/>
               </a:ext>
             </a:extLst>
           </p:cNvPr>
@@ -8248,7 +8253,7 @@
           <p:cNvPr id="11" name="Content Placeholder 2">
             <a:extLst>
               <a:ext uri="{FF2B5EF4-FFF2-40B4-BE49-F238E27FC236}">
-                <a16:creationId xmlns:a16="http://schemas.microsoft.com/office/drawing/2014/main" xmlns="" id="{C20FFE20-8DFD-4934-B1C9-19C4668A36B0}"/>
+                <a16:creationId xmlns:a16="http://schemas.microsoft.com/office/drawing/2014/main" id="{C20FFE20-8DFD-4934-B1C9-19C4668A36B0}"/>
               </a:ext>
             </a:extLst>
           </p:cNvPr>
@@ -8732,7 +8737,7 @@
           <a:lstStyle/>
           <a:p>
             <a:r>
-              <a:rPr lang="en-US" sz="2400" b="1" dirty="0" smtClean="0">
+              <a:rPr lang="en-US" sz="2400" b="1" dirty="0">
                 <a:solidFill>
                   <a:schemeClr val="accent1">
                     <a:lumMod val="50000"/>
@@ -8743,59 +8748,59 @@
             </a:r>
           </a:p>
           <a:p>
-            <a:endParaRPr lang="en-US" sz="2400" dirty="0" smtClean="0"/>
-          </a:p>
-          <a:p>
-            <a:endParaRPr lang="en-US" sz="2400" dirty="0" smtClean="0"/>
-          </a:p>
-          <a:p>
-            <a:endParaRPr lang="en-US" sz="2400" dirty="0" smtClean="0"/>
-          </a:p>
-          <a:p>
-            <a:endParaRPr lang="en-US" sz="2400" dirty="0" smtClean="0"/>
-          </a:p>
-          <a:p>
-            <a:endParaRPr lang="en-US" sz="2400" dirty="0" smtClean="0"/>
-          </a:p>
-          <a:p>
-            <a:endParaRPr lang="en-US" sz="2400" dirty="0" smtClean="0"/>
-          </a:p>
-          <a:p>
-            <a:endParaRPr lang="en-US" sz="2400" dirty="0" smtClean="0"/>
-          </a:p>
-          <a:p>
-            <a:endParaRPr lang="en-US" sz="2400" dirty="0" smtClean="0"/>
-          </a:p>
-          <a:p>
-            <a:r>
-              <a:rPr lang="en-US" sz="2400" dirty="0" smtClean="0"/>
+            <a:endParaRPr lang="en-US" sz="2400" dirty="0"/>
+          </a:p>
+          <a:p>
+            <a:endParaRPr lang="en-US" sz="2400" dirty="0"/>
+          </a:p>
+          <a:p>
+            <a:endParaRPr lang="en-US" sz="2400" dirty="0"/>
+          </a:p>
+          <a:p>
+            <a:endParaRPr lang="en-US" sz="2400" dirty="0"/>
+          </a:p>
+          <a:p>
+            <a:endParaRPr lang="en-US" sz="2400" dirty="0"/>
+          </a:p>
+          <a:p>
+            <a:endParaRPr lang="en-US" sz="2400" dirty="0"/>
+          </a:p>
+          <a:p>
+            <a:endParaRPr lang="en-US" sz="2400" dirty="0"/>
+          </a:p>
+          <a:p>
+            <a:endParaRPr lang="en-US" sz="2400" dirty="0"/>
+          </a:p>
+          <a:p>
+            <a:r>
+              <a:rPr lang="en-US" sz="2400" dirty="0"/>
               <a:t>         where W is mass of the battery,  </a:t>
             </a:r>
             <a:r>
-              <a:rPr lang="en-US" sz="2400" dirty="0" err="1" smtClean="0"/>
+              <a:rPr lang="en-US" sz="2400" dirty="0" err="1"/>
               <a:t>i</a:t>
             </a:r>
             <a:r>
-              <a:rPr lang="en-US" sz="2400" dirty="0" smtClean="0"/>
+              <a:rPr lang="en-US" sz="2400" dirty="0"/>
               <a:t> and E</a:t>
             </a:r>
             <a:r>
-              <a:rPr lang="en-US" sz="2400" baseline="-25000" dirty="0" smtClean="0"/>
+              <a:rPr lang="en-US" sz="2400" baseline="-25000" dirty="0"/>
               <a:t>cell</a:t>
             </a:r>
             <a:r>
-              <a:rPr lang="en-US" sz="2400" dirty="0" smtClean="0"/>
+              <a:rPr lang="en-US" sz="2400" dirty="0"/>
               <a:t> are current</a:t>
             </a:r>
           </a:p>
           <a:p>
             <a:r>
-              <a:rPr lang="en-US" sz="2400" dirty="0" smtClean="0"/>
+              <a:rPr lang="en-US" sz="2400" dirty="0"/>
               <a:t>         and EMF</a:t>
             </a:r>
           </a:p>
           <a:p>
-            <a:endParaRPr lang="en-US" sz="2400" dirty="0" smtClean="0"/>
+            <a:endParaRPr lang="en-US" sz="2400" dirty="0"/>
           </a:p>
           <a:p>
             <a:pPr>
@@ -8803,22 +8808,17 @@
               <a:buChar char="•"/>
             </a:pPr>
             <a:r>
-              <a:rPr lang="en-US" sz="2400" dirty="0" smtClean="0"/>
+              <a:rPr lang="en-US" sz="2400" dirty="0"/>
               <a:t>       </a:t>
             </a:r>
             <a:r>
-              <a:rPr lang="en-US" sz="2400" b="1" dirty="0" smtClean="0">
+              <a:rPr lang="en-US" sz="2400" b="1" dirty="0">
                 <a:solidFill>
                   <a:srgbClr val="C42ABD"/>
                 </a:solidFill>
               </a:rPr>
               <a:t>watt/kg</a:t>
             </a:r>
-            <a:endParaRPr lang="en-US" sz="2400" b="1" dirty="0">
-              <a:solidFill>
-                <a:srgbClr val="C42ABD"/>
-              </a:solidFill>
-            </a:endParaRPr>
           </a:p>
         </p:txBody>
       </p:sp>
@@ -8857,7 +8857,7 @@
           <p:cNvPr id="14" name="Straight Connector 13">
             <a:extLst>
               <a:ext uri="{FF2B5EF4-FFF2-40B4-BE49-F238E27FC236}">
-                <a16:creationId xmlns:a16="http://schemas.microsoft.com/office/drawing/2014/main" xmlns="" id="{44FD96A8-0571-4828-AA94-7DB93A4857C5}"/>
+                <a16:creationId xmlns:a16="http://schemas.microsoft.com/office/drawing/2014/main" id="{44FD96A8-0571-4828-AA94-7DB93A4857C5}"/>
               </a:ext>
             </a:extLst>
           </p:cNvPr>
@@ -8900,7 +8900,7 @@
           <p:cNvPr id="16" name="Rectangle 15">
             <a:extLst>
               <a:ext uri="{FF2B5EF4-FFF2-40B4-BE49-F238E27FC236}">
-                <a16:creationId xmlns:a16="http://schemas.microsoft.com/office/drawing/2014/main" xmlns="" id="{32465F97-45E8-4475-81F0-E171C116B224}"/>
+                <a16:creationId xmlns:a16="http://schemas.microsoft.com/office/drawing/2014/main" id="{32465F97-45E8-4475-81F0-E171C116B224}"/>
               </a:ext>
             </a:extLst>
           </p:cNvPr>
@@ -8923,11 +8923,11 @@
           <a:lstStyle/>
           <a:p>
             <a:r>
-              <a:rPr lang="en-US" sz="2400" b="1" dirty="0" err="1" smtClean="0"/>
+              <a:rPr lang="en-US" sz="2400" b="1" dirty="0" err="1"/>
               <a:t>Asha</a:t>
             </a:r>
             <a:r>
-              <a:rPr lang="en-US" sz="2400" b="1" dirty="0" smtClean="0"/>
+              <a:rPr lang="en-US" sz="2400" b="1" dirty="0"/>
               <a:t> A</a:t>
             </a:r>
             <a:endParaRPr lang="en-IN" sz="2400" b="1" dirty="0"/>
@@ -8939,7 +8939,7 @@
           <p:cNvPr id="17" name="Rectangle 16">
             <a:extLst>
               <a:ext uri="{FF2B5EF4-FFF2-40B4-BE49-F238E27FC236}">
-                <a16:creationId xmlns:a16="http://schemas.microsoft.com/office/drawing/2014/main" xmlns="" id="{62AC1A6C-10C2-4695-9224-09DA1B0D5932}"/>
+                <a16:creationId xmlns:a16="http://schemas.microsoft.com/office/drawing/2014/main" id="{62AC1A6C-10C2-4695-9224-09DA1B0D5932}"/>
               </a:ext>
             </a:extLst>
           </p:cNvPr>
@@ -8974,7 +8974,7 @@
           <p:cNvPr id="23" name="Group 22">
             <a:extLst>
               <a:ext uri="{FF2B5EF4-FFF2-40B4-BE49-F238E27FC236}">
-                <a16:creationId xmlns:a16="http://schemas.microsoft.com/office/drawing/2014/main" xmlns="" id="{6DD8DCC0-549E-48DB-8CCA-E3FF8FBDEBF0}"/>
+                <a16:creationId xmlns:a16="http://schemas.microsoft.com/office/drawing/2014/main" id="{6DD8DCC0-549E-48DB-8CCA-E3FF8FBDEBF0}"/>
               </a:ext>
             </a:extLst>
           </p:cNvPr>
@@ -9000,7 +9000,7 @@
             <p:cNvPr id="24" name="Rectangle 23">
               <a:extLst>
                 <a:ext uri="{FF2B5EF4-FFF2-40B4-BE49-F238E27FC236}">
-                  <a16:creationId xmlns:a16="http://schemas.microsoft.com/office/drawing/2014/main" xmlns="" id="{B895392A-2454-40A6-9F7C-BC20D3A463EB}"/>
+                  <a16:creationId xmlns:a16="http://schemas.microsoft.com/office/drawing/2014/main" id="{B895392A-2454-40A6-9F7C-BC20D3A463EB}"/>
                 </a:ext>
               </a:extLst>
             </p:cNvPr>
@@ -9050,7 +9050,7 @@
             <p:cNvPr id="25" name="Rectangle 24">
               <a:extLst>
                 <a:ext uri="{FF2B5EF4-FFF2-40B4-BE49-F238E27FC236}">
-                  <a16:creationId xmlns:a16="http://schemas.microsoft.com/office/drawing/2014/main" xmlns="" id="{DC7604FF-DE88-44B6-A0D9-723028500B8B}"/>
+                  <a16:creationId xmlns:a16="http://schemas.microsoft.com/office/drawing/2014/main" id="{DC7604FF-DE88-44B6-A0D9-723028500B8B}"/>
                 </a:ext>
               </a:extLst>
             </p:cNvPr>
@@ -9100,7 +9100,7 @@
             <p:cNvPr id="26" name="Rectangle 25">
               <a:extLst>
                 <a:ext uri="{FF2B5EF4-FFF2-40B4-BE49-F238E27FC236}">
-                  <a16:creationId xmlns:a16="http://schemas.microsoft.com/office/drawing/2014/main" xmlns="" id="{35F4DC18-13F2-43D2-9B15-157998AF1875}"/>
+                  <a16:creationId xmlns:a16="http://schemas.microsoft.com/office/drawing/2014/main" id="{35F4DC18-13F2-43D2-9B15-157998AF1875}"/>
                 </a:ext>
               </a:extLst>
             </p:cNvPr>
@@ -9150,7 +9150,7 @@
             <p:cNvPr id="27" name="Rectangle 26">
               <a:extLst>
                 <a:ext uri="{FF2B5EF4-FFF2-40B4-BE49-F238E27FC236}">
-                  <a16:creationId xmlns:a16="http://schemas.microsoft.com/office/drawing/2014/main" xmlns="" id="{34375A76-1BF8-4628-B0FE-78E1BEB569B2}"/>
+                  <a16:creationId xmlns:a16="http://schemas.microsoft.com/office/drawing/2014/main" id="{34375A76-1BF8-4628-B0FE-78E1BEB569B2}"/>
                 </a:ext>
               </a:extLst>
             </p:cNvPr>
@@ -9201,7 +9201,7 @@
           <p:cNvPr id="13" name="Picture 12" descr="A close up of a logo&#10;&#10;Description automatically generated">
             <a:extLst>
               <a:ext uri="{FF2B5EF4-FFF2-40B4-BE49-F238E27FC236}">
-                <a16:creationId xmlns:a16="http://schemas.microsoft.com/office/drawing/2014/main" xmlns="" id="{DBF62E6F-20D6-4DF2-A881-ECD3EEB1A24C}"/>
+                <a16:creationId xmlns:a16="http://schemas.microsoft.com/office/drawing/2014/main" id="{DBF62E6F-20D6-4DF2-A881-ECD3EEB1A24C}"/>
               </a:ext>
             </a:extLst>
           </p:cNvPr>
@@ -9237,7 +9237,7 @@
           <p:cNvPr id="19" name="Rectangle 18">
             <a:extLst>
               <a:ext uri="{FF2B5EF4-FFF2-40B4-BE49-F238E27FC236}">
-                <a16:creationId xmlns:a16="http://schemas.microsoft.com/office/drawing/2014/main" xmlns="" id="{A6945700-3E62-4469-A35D-2B3AE23A08DF}"/>
+                <a16:creationId xmlns:a16="http://schemas.microsoft.com/office/drawing/2014/main" id="{A6945700-3E62-4469-A35D-2B3AE23A08DF}"/>
               </a:ext>
             </a:extLst>
           </p:cNvPr>
@@ -9584,7 +9584,7 @@
   <a:extraClrSchemeLst/>
   <a:extLst>
     <a:ext uri="{05A4C25C-085E-4340-85A3-A5531E510DB2}">
-      <thm15:themeFamily xmlns:thm15="http://schemas.microsoft.com/office/thememl/2012/main" xmlns="" name="Office Theme" id="{62F939B6-93AF-4DB8-9C6B-D6C7DFDC589F}" vid="{4A3C46E8-61CC-4603-A589-7422A47A8E4A}"/>
+      <thm15:themeFamily xmlns:thm15="http://schemas.microsoft.com/office/thememl/2012/main" name="Office Theme" id="{62F939B6-93AF-4DB8-9C6B-D6C7DFDC589F}" vid="{4A3C46E8-61CC-4603-A589-7422A47A8E4A}"/>
     </a:ext>
   </a:extLst>
 </a:theme>
